--- a/개인 과제.pptx
+++ b/개인 과제.pptx
@@ -3389,7 +3389,7 @@
       </p:grpSpPr>
       <p:pic>
         <p:nvPicPr>
-          <p:cNvPr id="4" name="그림 3"/>
+          <p:cNvPr id="5" name="그림 4"/>
           <p:cNvPicPr>
             <a:picLocks noChangeAspect="1"/>
           </p:cNvPicPr>
@@ -3397,36 +3397,6 @@
         </p:nvPicPr>
         <p:blipFill>
           <a:blip r:embed="rId2">
-            <a:extLst>
-              <a:ext uri="{28A0092B-C50C-407E-A947-70E740481C1C}">
-                <a14:useLocalDpi xmlns:a14="http://schemas.microsoft.com/office/drawing/2010/main" val="0"/>
-              </a:ext>
-            </a:extLst>
-          </a:blip>
-          <a:stretch>
-            <a:fillRect/>
-          </a:stretch>
-        </p:blipFill>
-        <p:spPr>
-          <a:xfrm>
-            <a:off x="145807" y="1827249"/>
-            <a:ext cx="7097115" cy="4906060"/>
-          </a:xfrm>
-          <a:prstGeom prst="rect">
-            <a:avLst/>
-          </a:prstGeom>
-        </p:spPr>
-      </p:pic>
-      <p:pic>
-        <p:nvPicPr>
-          <p:cNvPr id="5" name="그림 4"/>
-          <p:cNvPicPr>
-            <a:picLocks noChangeAspect="1"/>
-          </p:cNvPicPr>
-          <p:nvPr/>
-        </p:nvPicPr>
-        <p:blipFill>
-          <a:blip r:embed="rId3">
             <a:extLst>
               <a:ext uri="{28A0092B-C50C-407E-A947-70E740481C1C}">
                 <a14:useLocalDpi xmlns:a14="http://schemas.microsoft.com/office/drawing/2010/main" val="0"/>
@@ -3456,7 +3426,7 @@
         <p:spPr>
           <a:xfrm>
             <a:off x="8404167" y="1088967"/>
-            <a:ext cx="3491346" cy="923330"/>
+            <a:ext cx="3491346" cy="369332"/>
           </a:xfrm>
           <a:prstGeom prst="rect">
             <a:avLst/>
@@ -3470,15 +3440,6 @@
           <a:lstStyle/>
           <a:p>
             <a:r>
-              <a:rPr lang="en-US" altLang="ko-KR" dirty="0" smtClean="0"/>
-              <a:t>CI/CD</a:t>
-            </a:r>
-          </a:p>
-          <a:p>
-            <a:endParaRPr lang="en-US" altLang="ko-KR" dirty="0"/>
-          </a:p>
-          <a:p>
-            <a:r>
               <a:rPr lang="ko-KR" altLang="en-US" dirty="0" smtClean="0"/>
               <a:t>카프카</a:t>
             </a:r>
@@ -3496,20 +3457,42 @@
             </a:r>
             <a:r>
               <a:rPr lang="ko-KR" altLang="en-US" dirty="0" smtClean="0"/>
-              <a:t>서버</a:t>
-            </a:r>
-            <a:r>
-              <a:rPr lang="en-US" altLang="ko-KR" dirty="0" smtClean="0"/>
-              <a:t> </a:t>
-            </a:r>
-            <a:r>
-              <a:rPr lang="ko-KR" altLang="en-US" dirty="0" smtClean="0"/>
-              <a:t>구성</a:t>
+              <a:t>서비스 실행</a:t>
             </a:r>
             <a:endParaRPr lang="en-US" altLang="ko-KR" dirty="0" smtClean="0"/>
           </a:p>
         </p:txBody>
       </p:sp>
+      <p:pic>
+        <p:nvPicPr>
+          <p:cNvPr id="7" name="그림 6"/>
+          <p:cNvPicPr>
+            <a:picLocks noChangeAspect="1"/>
+          </p:cNvPicPr>
+          <p:nvPr/>
+        </p:nvPicPr>
+        <p:blipFill>
+          <a:blip r:embed="rId3">
+            <a:extLst>
+              <a:ext uri="{28A0092B-C50C-407E-A947-70E740481C1C}">
+                <a14:useLocalDpi xmlns:a14="http://schemas.microsoft.com/office/drawing/2010/main" val="0"/>
+              </a:ext>
+            </a:extLst>
+          </a:blip>
+          <a:stretch>
+            <a:fillRect/>
+          </a:stretch>
+        </p:blipFill>
+        <p:spPr>
+          <a:xfrm>
+            <a:off x="145807" y="1816461"/>
+            <a:ext cx="6262001" cy="4988374"/>
+          </a:xfrm>
+          <a:prstGeom prst="rect">
+            <a:avLst/>
+          </a:prstGeom>
+        </p:spPr>
+      </p:pic>
     </p:spTree>
     <p:extLst>
       <p:ext uri="{BB962C8B-B14F-4D97-AF65-F5344CB8AC3E}">

--- a/개인 과제.pptx
+++ b/개인 과제.pptx
@@ -3553,9 +3553,49 @@
           </a:prstGeom>
         </p:spPr>
       </p:pic>
+      <p:sp>
+        <p:nvSpPr>
+          <p:cNvPr id="4" name="TextBox 3"/>
+          <p:cNvSpPr txBox="1"/>
+          <p:nvPr/>
+        </p:nvSpPr>
+        <p:spPr>
+          <a:xfrm>
+            <a:off x="8404167" y="1088967"/>
+            <a:ext cx="3491346" cy="923330"/>
+          </a:xfrm>
+          <a:prstGeom prst="rect">
+            <a:avLst/>
+          </a:prstGeom>
+          <a:noFill/>
+        </p:spPr>
+        <p:txBody>
+          <a:bodyPr wrap="square" rtlCol="0">
+            <a:spAutoFit/>
+          </a:bodyPr>
+          <a:lstStyle/>
+          <a:p>
+            <a:r>
+              <a:rPr lang="ko-KR" altLang="en-US" dirty="0" smtClean="0"/>
+              <a:t>결과</a:t>
+            </a:r>
+            <a:endParaRPr lang="en-US" altLang="ko-KR" dirty="0" smtClean="0"/>
+          </a:p>
+          <a:p>
+            <a:endParaRPr lang="en-US" altLang="ko-KR" dirty="0" smtClean="0"/>
+          </a:p>
+          <a:p>
+            <a:r>
+              <a:rPr lang="ko-KR" altLang="en-US" dirty="0" smtClean="0"/>
+              <a:t>영화 예매</a:t>
+            </a:r>
+            <a:endParaRPr lang="en-US" altLang="ko-KR" dirty="0" smtClean="0"/>
+          </a:p>
+        </p:txBody>
+      </p:sp>
       <p:pic>
         <p:nvPicPr>
-          <p:cNvPr id="3" name="그림 2"/>
+          <p:cNvPr id="6" name="그림 5"/>
           <p:cNvPicPr>
             <a:picLocks noChangeAspect="1"/>
           </p:cNvPicPr>
@@ -3575,54 +3615,14 @@
         </p:blipFill>
         <p:spPr>
           <a:xfrm>
-            <a:off x="133200" y="4315864"/>
-            <a:ext cx="8983329" cy="2467319"/>
+            <a:off x="3199145" y="2942679"/>
+            <a:ext cx="8992855" cy="3915321"/>
           </a:xfrm>
           <a:prstGeom prst="rect">
             <a:avLst/>
           </a:prstGeom>
         </p:spPr>
       </p:pic>
-      <p:sp>
-        <p:nvSpPr>
-          <p:cNvPr id="4" name="TextBox 3"/>
-          <p:cNvSpPr txBox="1"/>
-          <p:nvPr/>
-        </p:nvSpPr>
-        <p:spPr>
-          <a:xfrm>
-            <a:off x="8404167" y="1088967"/>
-            <a:ext cx="3491346" cy="923330"/>
-          </a:xfrm>
-          <a:prstGeom prst="rect">
-            <a:avLst/>
-          </a:prstGeom>
-          <a:noFill/>
-        </p:spPr>
-        <p:txBody>
-          <a:bodyPr wrap="square" rtlCol="0">
-            <a:spAutoFit/>
-          </a:bodyPr>
-          <a:lstStyle/>
-          <a:p>
-            <a:r>
-              <a:rPr lang="ko-KR" altLang="en-US" dirty="0" smtClean="0"/>
-              <a:t>결과</a:t>
-            </a:r>
-            <a:endParaRPr lang="en-US" altLang="ko-KR" dirty="0" smtClean="0"/>
-          </a:p>
-          <a:p>
-            <a:endParaRPr lang="en-US" altLang="ko-KR" dirty="0" smtClean="0"/>
-          </a:p>
-          <a:p>
-            <a:r>
-              <a:rPr lang="ko-KR" altLang="en-US" dirty="0" smtClean="0"/>
-              <a:t>영화 예매</a:t>
-            </a:r>
-            <a:endParaRPr lang="en-US" altLang="ko-KR" dirty="0" smtClean="0"/>
-          </a:p>
-        </p:txBody>
-      </p:sp>
     </p:spTree>
     <p:extLst>
       <p:ext uri="{BB962C8B-B14F-4D97-AF65-F5344CB8AC3E}">

--- a/개인 과제.pptx
+++ b/개인 과제.pptx
@@ -5,11 +5,14 @@
     <p:sldMasterId id="2147483648" r:id="rId1"/>
   </p:sldMasterIdLst>
   <p:sldIdLst>
-    <p:sldId id="256" r:id="rId2"/>
-    <p:sldId id="257" r:id="rId3"/>
-    <p:sldId id="260" r:id="rId4"/>
-    <p:sldId id="258" r:id="rId5"/>
-    <p:sldId id="259" r:id="rId6"/>
+    <p:sldId id="263" r:id="rId2"/>
+    <p:sldId id="256" r:id="rId3"/>
+    <p:sldId id="262" r:id="rId4"/>
+    <p:sldId id="261" r:id="rId5"/>
+    <p:sldId id="257" r:id="rId6"/>
+    <p:sldId id="260" r:id="rId7"/>
+    <p:sldId id="258" r:id="rId8"/>
+    <p:sldId id="259" r:id="rId9"/>
   </p:sldIdLst>
   <p:sldSz cx="12192000" cy="6858000"/>
   <p:notesSz cx="6858000" cy="9144000"/>
@@ -108,6 +111,11 @@
       </a:defRPr>
     </a:lvl9pPr>
   </p:defaultTextStyle>
+  <p:extLst>
+    <p:ext uri="{EFAFB233-063F-42B5-8137-9DF3F51BA10A}">
+      <p15:sldGuideLst xmlns:p15="http://schemas.microsoft.com/office/powerpoint/2012/main"/>
+    </p:ext>
+  </p:extLst>
 </p:presentation>
 </file>
 
@@ -153,10 +161,9 @@
           </a:lstStyle>
           <a:p>
             <a:r>
-              <a:rPr lang="ko-KR" altLang="en-US" smtClean="0"/>
+              <a:rPr lang="ko-KR" altLang="en-US"/>
               <a:t>마스터 제목 스타일 편집</a:t>
             </a:r>
-            <a:endParaRPr lang="ko-KR" altLang="en-US"/>
           </a:p>
         </p:txBody>
       </p:sp>
@@ -218,10 +225,9 @@
           </a:lstStyle>
           <a:p>
             <a:r>
-              <a:rPr lang="ko-KR" altLang="en-US" smtClean="0"/>
+              <a:rPr lang="ko-KR" altLang="en-US"/>
               <a:t>클릭하여 마스터 부제목 스타일 편집</a:t>
             </a:r>
-            <a:endParaRPr lang="ko-KR" altLang="en-US"/>
           </a:p>
         </p:txBody>
       </p:sp>
@@ -242,7 +248,7 @@
           <a:p>
             <a:fld id="{5178687E-3123-4786-A35B-24E1671672E9}" type="datetimeFigureOut">
               <a:rPr lang="ko-KR" altLang="en-US" smtClean="0"/>
-              <a:t>2020-04-23</a:t>
+              <a:t>2020-08-17</a:t>
             </a:fld>
             <a:endParaRPr lang="ko-KR" altLang="en-US"/>
           </a:p>
@@ -336,10 +342,9 @@
           <a:lstStyle/>
           <a:p>
             <a:r>
-              <a:rPr lang="ko-KR" altLang="en-US" smtClean="0"/>
+              <a:rPr lang="ko-KR" altLang="en-US"/>
               <a:t>마스터 제목 스타일 편집</a:t>
             </a:r>
-            <a:endParaRPr lang="ko-KR" altLang="en-US"/>
           </a:p>
         </p:txBody>
       </p:sp>
@@ -360,38 +365,37 @@
           <a:p>
             <a:pPr lvl="0"/>
             <a:r>
-              <a:rPr lang="ko-KR" altLang="en-US" smtClean="0"/>
+              <a:rPr lang="ko-KR" altLang="en-US"/>
               <a:t>마스터 텍스트 스타일 편집</a:t>
             </a:r>
           </a:p>
           <a:p>
             <a:pPr lvl="1"/>
             <a:r>
-              <a:rPr lang="ko-KR" altLang="en-US" smtClean="0"/>
+              <a:rPr lang="ko-KR" altLang="en-US"/>
               <a:t>둘째 수준</a:t>
             </a:r>
           </a:p>
           <a:p>
             <a:pPr lvl="2"/>
             <a:r>
-              <a:rPr lang="ko-KR" altLang="en-US" smtClean="0"/>
+              <a:rPr lang="ko-KR" altLang="en-US"/>
               <a:t>셋째 수준</a:t>
             </a:r>
           </a:p>
           <a:p>
             <a:pPr lvl="3"/>
             <a:r>
-              <a:rPr lang="ko-KR" altLang="en-US" smtClean="0"/>
+              <a:rPr lang="ko-KR" altLang="en-US"/>
               <a:t>넷째 수준</a:t>
             </a:r>
           </a:p>
           <a:p>
             <a:pPr lvl="4"/>
             <a:r>
-              <a:rPr lang="ko-KR" altLang="en-US" smtClean="0"/>
+              <a:rPr lang="ko-KR" altLang="en-US"/>
               <a:t>다섯째 수준</a:t>
             </a:r>
-            <a:endParaRPr lang="ko-KR" altLang="en-US"/>
           </a:p>
         </p:txBody>
       </p:sp>
@@ -412,7 +416,7 @@
           <a:p>
             <a:fld id="{5178687E-3123-4786-A35B-24E1671672E9}" type="datetimeFigureOut">
               <a:rPr lang="ko-KR" altLang="en-US" smtClean="0"/>
-              <a:t>2020-04-23</a:t>
+              <a:t>2020-08-17</a:t>
             </a:fld>
             <a:endParaRPr lang="ko-KR" altLang="en-US"/>
           </a:p>
@@ -511,10 +515,9 @@
           <a:lstStyle/>
           <a:p>
             <a:r>
-              <a:rPr lang="ko-KR" altLang="en-US" smtClean="0"/>
+              <a:rPr lang="ko-KR" altLang="en-US"/>
               <a:t>마스터 제목 스타일 편집</a:t>
             </a:r>
-            <a:endParaRPr lang="ko-KR" altLang="en-US"/>
           </a:p>
         </p:txBody>
       </p:sp>
@@ -540,38 +543,37 @@
           <a:p>
             <a:pPr lvl="0"/>
             <a:r>
-              <a:rPr lang="ko-KR" altLang="en-US" smtClean="0"/>
+              <a:rPr lang="ko-KR" altLang="en-US"/>
               <a:t>마스터 텍스트 스타일 편집</a:t>
             </a:r>
           </a:p>
           <a:p>
             <a:pPr lvl="1"/>
             <a:r>
-              <a:rPr lang="ko-KR" altLang="en-US" smtClean="0"/>
+              <a:rPr lang="ko-KR" altLang="en-US"/>
               <a:t>둘째 수준</a:t>
             </a:r>
           </a:p>
           <a:p>
             <a:pPr lvl="2"/>
             <a:r>
-              <a:rPr lang="ko-KR" altLang="en-US" smtClean="0"/>
+              <a:rPr lang="ko-KR" altLang="en-US"/>
               <a:t>셋째 수준</a:t>
             </a:r>
           </a:p>
           <a:p>
             <a:pPr lvl="3"/>
             <a:r>
-              <a:rPr lang="ko-KR" altLang="en-US" smtClean="0"/>
+              <a:rPr lang="ko-KR" altLang="en-US"/>
               <a:t>넷째 수준</a:t>
             </a:r>
           </a:p>
           <a:p>
             <a:pPr lvl="4"/>
             <a:r>
-              <a:rPr lang="ko-KR" altLang="en-US" smtClean="0"/>
+              <a:rPr lang="ko-KR" altLang="en-US"/>
               <a:t>다섯째 수준</a:t>
             </a:r>
-            <a:endParaRPr lang="ko-KR" altLang="en-US"/>
           </a:p>
         </p:txBody>
       </p:sp>
@@ -592,7 +594,7 @@
           <a:p>
             <a:fld id="{5178687E-3123-4786-A35B-24E1671672E9}" type="datetimeFigureOut">
               <a:rPr lang="ko-KR" altLang="en-US" smtClean="0"/>
-              <a:t>2020-04-23</a:t>
+              <a:t>2020-08-17</a:t>
             </a:fld>
             <a:endParaRPr lang="ko-KR" altLang="en-US"/>
           </a:p>
@@ -686,10 +688,9 @@
           <a:lstStyle/>
           <a:p>
             <a:r>
-              <a:rPr lang="ko-KR" altLang="en-US" smtClean="0"/>
+              <a:rPr lang="ko-KR" altLang="en-US"/>
               <a:t>마스터 제목 스타일 편집</a:t>
             </a:r>
-            <a:endParaRPr lang="ko-KR" altLang="en-US"/>
           </a:p>
         </p:txBody>
       </p:sp>
@@ -710,38 +711,37 @@
           <a:p>
             <a:pPr lvl="0"/>
             <a:r>
-              <a:rPr lang="ko-KR" altLang="en-US" smtClean="0"/>
+              <a:rPr lang="ko-KR" altLang="en-US"/>
               <a:t>마스터 텍스트 스타일 편집</a:t>
             </a:r>
           </a:p>
           <a:p>
             <a:pPr lvl="1"/>
             <a:r>
-              <a:rPr lang="ko-KR" altLang="en-US" smtClean="0"/>
+              <a:rPr lang="ko-KR" altLang="en-US"/>
               <a:t>둘째 수준</a:t>
             </a:r>
           </a:p>
           <a:p>
             <a:pPr lvl="2"/>
             <a:r>
-              <a:rPr lang="ko-KR" altLang="en-US" smtClean="0"/>
+              <a:rPr lang="ko-KR" altLang="en-US"/>
               <a:t>셋째 수준</a:t>
             </a:r>
           </a:p>
           <a:p>
             <a:pPr lvl="3"/>
             <a:r>
-              <a:rPr lang="ko-KR" altLang="en-US" smtClean="0"/>
+              <a:rPr lang="ko-KR" altLang="en-US"/>
               <a:t>넷째 수준</a:t>
             </a:r>
           </a:p>
           <a:p>
             <a:pPr lvl="4"/>
             <a:r>
-              <a:rPr lang="ko-KR" altLang="en-US" smtClean="0"/>
+              <a:rPr lang="ko-KR" altLang="en-US"/>
               <a:t>다섯째 수준</a:t>
             </a:r>
-            <a:endParaRPr lang="ko-KR" altLang="en-US"/>
           </a:p>
         </p:txBody>
       </p:sp>
@@ -762,7 +762,7 @@
           <a:p>
             <a:fld id="{5178687E-3123-4786-A35B-24E1671672E9}" type="datetimeFigureOut">
               <a:rPr lang="ko-KR" altLang="en-US" smtClean="0"/>
-              <a:t>2020-04-23</a:t>
+              <a:t>2020-08-17</a:t>
             </a:fld>
             <a:endParaRPr lang="ko-KR" altLang="en-US"/>
           </a:p>
@@ -865,10 +865,9 @@
           </a:lstStyle>
           <a:p>
             <a:r>
-              <a:rPr lang="ko-KR" altLang="en-US" smtClean="0"/>
+              <a:rPr lang="ko-KR" altLang="en-US"/>
               <a:t>마스터 제목 스타일 편집</a:t>
             </a:r>
-            <a:endParaRPr lang="ko-KR" altLang="en-US"/>
           </a:p>
         </p:txBody>
       </p:sp>
@@ -985,7 +984,7 @@
           <a:p>
             <a:pPr lvl="0"/>
             <a:r>
-              <a:rPr lang="ko-KR" altLang="en-US" smtClean="0"/>
+              <a:rPr lang="ko-KR" altLang="en-US"/>
               <a:t>마스터 텍스트 스타일 편집</a:t>
             </a:r>
           </a:p>
@@ -1008,7 +1007,7 @@
           <a:p>
             <a:fld id="{5178687E-3123-4786-A35B-24E1671672E9}" type="datetimeFigureOut">
               <a:rPr lang="ko-KR" altLang="en-US" smtClean="0"/>
-              <a:t>2020-04-23</a:t>
+              <a:t>2020-08-17</a:t>
             </a:fld>
             <a:endParaRPr lang="ko-KR" altLang="en-US"/>
           </a:p>
@@ -1102,10 +1101,9 @@
           <a:lstStyle/>
           <a:p>
             <a:r>
-              <a:rPr lang="ko-KR" altLang="en-US" smtClean="0"/>
+              <a:rPr lang="ko-KR" altLang="en-US"/>
               <a:t>마스터 제목 스타일 편집</a:t>
             </a:r>
-            <a:endParaRPr lang="ko-KR" altLang="en-US"/>
           </a:p>
         </p:txBody>
       </p:sp>
@@ -1131,38 +1129,37 @@
           <a:p>
             <a:pPr lvl="0"/>
             <a:r>
-              <a:rPr lang="ko-KR" altLang="en-US" smtClean="0"/>
+              <a:rPr lang="ko-KR" altLang="en-US"/>
               <a:t>마스터 텍스트 스타일 편집</a:t>
             </a:r>
           </a:p>
           <a:p>
             <a:pPr lvl="1"/>
             <a:r>
-              <a:rPr lang="ko-KR" altLang="en-US" smtClean="0"/>
+              <a:rPr lang="ko-KR" altLang="en-US"/>
               <a:t>둘째 수준</a:t>
             </a:r>
           </a:p>
           <a:p>
             <a:pPr lvl="2"/>
             <a:r>
-              <a:rPr lang="ko-KR" altLang="en-US" smtClean="0"/>
+              <a:rPr lang="ko-KR" altLang="en-US"/>
               <a:t>셋째 수준</a:t>
             </a:r>
           </a:p>
           <a:p>
             <a:pPr lvl="3"/>
             <a:r>
-              <a:rPr lang="ko-KR" altLang="en-US" smtClean="0"/>
+              <a:rPr lang="ko-KR" altLang="en-US"/>
               <a:t>넷째 수준</a:t>
             </a:r>
           </a:p>
           <a:p>
             <a:pPr lvl="4"/>
             <a:r>
-              <a:rPr lang="ko-KR" altLang="en-US" smtClean="0"/>
+              <a:rPr lang="ko-KR" altLang="en-US"/>
               <a:t>다섯째 수준</a:t>
             </a:r>
-            <a:endParaRPr lang="ko-KR" altLang="en-US"/>
           </a:p>
         </p:txBody>
       </p:sp>
@@ -1188,38 +1185,37 @@
           <a:p>
             <a:pPr lvl="0"/>
             <a:r>
-              <a:rPr lang="ko-KR" altLang="en-US" smtClean="0"/>
+              <a:rPr lang="ko-KR" altLang="en-US"/>
               <a:t>마스터 텍스트 스타일 편집</a:t>
             </a:r>
           </a:p>
           <a:p>
             <a:pPr lvl="1"/>
             <a:r>
-              <a:rPr lang="ko-KR" altLang="en-US" smtClean="0"/>
+              <a:rPr lang="ko-KR" altLang="en-US"/>
               <a:t>둘째 수준</a:t>
             </a:r>
           </a:p>
           <a:p>
             <a:pPr lvl="2"/>
             <a:r>
-              <a:rPr lang="ko-KR" altLang="en-US" smtClean="0"/>
+              <a:rPr lang="ko-KR" altLang="en-US"/>
               <a:t>셋째 수준</a:t>
             </a:r>
           </a:p>
           <a:p>
             <a:pPr lvl="3"/>
             <a:r>
-              <a:rPr lang="ko-KR" altLang="en-US" smtClean="0"/>
+              <a:rPr lang="ko-KR" altLang="en-US"/>
               <a:t>넷째 수준</a:t>
             </a:r>
           </a:p>
           <a:p>
             <a:pPr lvl="4"/>
             <a:r>
-              <a:rPr lang="ko-KR" altLang="en-US" smtClean="0"/>
+              <a:rPr lang="ko-KR" altLang="en-US"/>
               <a:t>다섯째 수준</a:t>
             </a:r>
-            <a:endParaRPr lang="ko-KR" altLang="en-US"/>
           </a:p>
         </p:txBody>
       </p:sp>
@@ -1240,7 +1236,7 @@
           <a:p>
             <a:fld id="{5178687E-3123-4786-A35B-24E1671672E9}" type="datetimeFigureOut">
               <a:rPr lang="ko-KR" altLang="en-US" smtClean="0"/>
-              <a:t>2020-04-23</a:t>
+              <a:t>2020-08-17</a:t>
             </a:fld>
             <a:endParaRPr lang="ko-KR" altLang="en-US"/>
           </a:p>
@@ -1339,10 +1335,9 @@
           <a:lstStyle/>
           <a:p>
             <a:r>
-              <a:rPr lang="ko-KR" altLang="en-US" smtClean="0"/>
+              <a:rPr lang="ko-KR" altLang="en-US"/>
               <a:t>마스터 제목 스타일 편집</a:t>
             </a:r>
-            <a:endParaRPr lang="ko-KR" altLang="en-US"/>
           </a:p>
         </p:txBody>
       </p:sp>
@@ -1405,7 +1400,7 @@
           <a:p>
             <a:pPr lvl="0"/>
             <a:r>
-              <a:rPr lang="ko-KR" altLang="en-US" smtClean="0"/>
+              <a:rPr lang="ko-KR" altLang="en-US"/>
               <a:t>마스터 텍스트 스타일 편집</a:t>
             </a:r>
           </a:p>
@@ -1433,38 +1428,37 @@
           <a:p>
             <a:pPr lvl="0"/>
             <a:r>
-              <a:rPr lang="ko-KR" altLang="en-US" smtClean="0"/>
+              <a:rPr lang="ko-KR" altLang="en-US"/>
               <a:t>마스터 텍스트 스타일 편집</a:t>
             </a:r>
           </a:p>
           <a:p>
             <a:pPr lvl="1"/>
             <a:r>
-              <a:rPr lang="ko-KR" altLang="en-US" smtClean="0"/>
+              <a:rPr lang="ko-KR" altLang="en-US"/>
               <a:t>둘째 수준</a:t>
             </a:r>
           </a:p>
           <a:p>
             <a:pPr lvl="2"/>
             <a:r>
-              <a:rPr lang="ko-KR" altLang="en-US" smtClean="0"/>
+              <a:rPr lang="ko-KR" altLang="en-US"/>
               <a:t>셋째 수준</a:t>
             </a:r>
           </a:p>
           <a:p>
             <a:pPr lvl="3"/>
             <a:r>
-              <a:rPr lang="ko-KR" altLang="en-US" smtClean="0"/>
+              <a:rPr lang="ko-KR" altLang="en-US"/>
               <a:t>넷째 수준</a:t>
             </a:r>
           </a:p>
           <a:p>
             <a:pPr lvl="4"/>
             <a:r>
-              <a:rPr lang="ko-KR" altLang="en-US" smtClean="0"/>
+              <a:rPr lang="ko-KR" altLang="en-US"/>
               <a:t>다섯째 수준</a:t>
             </a:r>
-            <a:endParaRPr lang="ko-KR" altLang="en-US"/>
           </a:p>
         </p:txBody>
       </p:sp>
@@ -1527,7 +1521,7 @@
           <a:p>
             <a:pPr lvl="0"/>
             <a:r>
-              <a:rPr lang="ko-KR" altLang="en-US" smtClean="0"/>
+              <a:rPr lang="ko-KR" altLang="en-US"/>
               <a:t>마스터 텍스트 스타일 편집</a:t>
             </a:r>
           </a:p>
@@ -1555,38 +1549,37 @@
           <a:p>
             <a:pPr lvl="0"/>
             <a:r>
-              <a:rPr lang="ko-KR" altLang="en-US" smtClean="0"/>
+              <a:rPr lang="ko-KR" altLang="en-US"/>
               <a:t>마스터 텍스트 스타일 편집</a:t>
             </a:r>
           </a:p>
           <a:p>
             <a:pPr lvl="1"/>
             <a:r>
-              <a:rPr lang="ko-KR" altLang="en-US" smtClean="0"/>
+              <a:rPr lang="ko-KR" altLang="en-US"/>
               <a:t>둘째 수준</a:t>
             </a:r>
           </a:p>
           <a:p>
             <a:pPr lvl="2"/>
             <a:r>
-              <a:rPr lang="ko-KR" altLang="en-US" smtClean="0"/>
+              <a:rPr lang="ko-KR" altLang="en-US"/>
               <a:t>셋째 수준</a:t>
             </a:r>
           </a:p>
           <a:p>
             <a:pPr lvl="3"/>
             <a:r>
-              <a:rPr lang="ko-KR" altLang="en-US" smtClean="0"/>
+              <a:rPr lang="ko-KR" altLang="en-US"/>
               <a:t>넷째 수준</a:t>
             </a:r>
           </a:p>
           <a:p>
             <a:pPr lvl="4"/>
             <a:r>
-              <a:rPr lang="ko-KR" altLang="en-US" smtClean="0"/>
+              <a:rPr lang="ko-KR" altLang="en-US"/>
               <a:t>다섯째 수준</a:t>
             </a:r>
-            <a:endParaRPr lang="ko-KR" altLang="en-US"/>
           </a:p>
         </p:txBody>
       </p:sp>
@@ -1607,7 +1600,7 @@
           <a:p>
             <a:fld id="{5178687E-3123-4786-A35B-24E1671672E9}" type="datetimeFigureOut">
               <a:rPr lang="ko-KR" altLang="en-US" smtClean="0"/>
-              <a:t>2020-04-23</a:t>
+              <a:t>2020-08-17</a:t>
             </a:fld>
             <a:endParaRPr lang="ko-KR" altLang="en-US"/>
           </a:p>
@@ -1701,10 +1694,9 @@
           <a:lstStyle/>
           <a:p>
             <a:r>
-              <a:rPr lang="ko-KR" altLang="en-US" smtClean="0"/>
+              <a:rPr lang="ko-KR" altLang="en-US"/>
               <a:t>마스터 제목 스타일 편집</a:t>
             </a:r>
-            <a:endParaRPr lang="ko-KR" altLang="en-US"/>
           </a:p>
         </p:txBody>
       </p:sp>
@@ -1725,7 +1717,7 @@
           <a:p>
             <a:fld id="{5178687E-3123-4786-A35B-24E1671672E9}" type="datetimeFigureOut">
               <a:rPr lang="ko-KR" altLang="en-US" smtClean="0"/>
-              <a:t>2020-04-23</a:t>
+              <a:t>2020-08-17</a:t>
             </a:fld>
             <a:endParaRPr lang="ko-KR" altLang="en-US"/>
           </a:p>
@@ -1820,7 +1812,7 @@
           <a:p>
             <a:fld id="{5178687E-3123-4786-A35B-24E1671672E9}" type="datetimeFigureOut">
               <a:rPr lang="ko-KR" altLang="en-US" smtClean="0"/>
-              <a:t>2020-04-23</a:t>
+              <a:t>2020-08-17</a:t>
             </a:fld>
             <a:endParaRPr lang="ko-KR" altLang="en-US"/>
           </a:p>
@@ -1923,10 +1915,9 @@
           </a:lstStyle>
           <a:p>
             <a:r>
-              <a:rPr lang="ko-KR" altLang="en-US" smtClean="0"/>
+              <a:rPr lang="ko-KR" altLang="en-US"/>
               <a:t>마스터 제목 스타일 편집</a:t>
             </a:r>
-            <a:endParaRPr lang="ko-KR" altLang="en-US"/>
           </a:p>
         </p:txBody>
       </p:sp>
@@ -1980,38 +1971,37 @@
           <a:p>
             <a:pPr lvl="0"/>
             <a:r>
-              <a:rPr lang="ko-KR" altLang="en-US" smtClean="0"/>
+              <a:rPr lang="ko-KR" altLang="en-US"/>
               <a:t>마스터 텍스트 스타일 편집</a:t>
             </a:r>
           </a:p>
           <a:p>
             <a:pPr lvl="1"/>
             <a:r>
-              <a:rPr lang="ko-KR" altLang="en-US" smtClean="0"/>
+              <a:rPr lang="ko-KR" altLang="en-US"/>
               <a:t>둘째 수준</a:t>
             </a:r>
           </a:p>
           <a:p>
             <a:pPr lvl="2"/>
             <a:r>
-              <a:rPr lang="ko-KR" altLang="en-US" smtClean="0"/>
+              <a:rPr lang="ko-KR" altLang="en-US"/>
               <a:t>셋째 수준</a:t>
             </a:r>
           </a:p>
           <a:p>
             <a:pPr lvl="3"/>
             <a:r>
-              <a:rPr lang="ko-KR" altLang="en-US" smtClean="0"/>
+              <a:rPr lang="ko-KR" altLang="en-US"/>
               <a:t>넷째 수준</a:t>
             </a:r>
           </a:p>
           <a:p>
             <a:pPr lvl="4"/>
             <a:r>
-              <a:rPr lang="ko-KR" altLang="en-US" smtClean="0"/>
+              <a:rPr lang="ko-KR" altLang="en-US"/>
               <a:t>다섯째 수준</a:t>
             </a:r>
-            <a:endParaRPr lang="ko-KR" altLang="en-US"/>
           </a:p>
         </p:txBody>
       </p:sp>
@@ -2074,7 +2064,7 @@
           <a:p>
             <a:pPr lvl="0"/>
             <a:r>
-              <a:rPr lang="ko-KR" altLang="en-US" smtClean="0"/>
+              <a:rPr lang="ko-KR" altLang="en-US"/>
               <a:t>마스터 텍스트 스타일 편집</a:t>
             </a:r>
           </a:p>
@@ -2097,7 +2087,7 @@
           <a:p>
             <a:fld id="{5178687E-3123-4786-A35B-24E1671672E9}" type="datetimeFigureOut">
               <a:rPr lang="ko-KR" altLang="en-US" smtClean="0"/>
-              <a:t>2020-04-23</a:t>
+              <a:t>2020-08-17</a:t>
             </a:fld>
             <a:endParaRPr lang="ko-KR" altLang="en-US"/>
           </a:p>
@@ -2200,10 +2190,9 @@
           </a:lstStyle>
           <a:p>
             <a:r>
-              <a:rPr lang="ko-KR" altLang="en-US" smtClean="0"/>
+              <a:rPr lang="ko-KR" altLang="en-US"/>
               <a:t>마스터 제목 스타일 편집</a:t>
             </a:r>
-            <a:endParaRPr lang="ko-KR" altLang="en-US"/>
           </a:p>
         </p:txBody>
       </p:sp>
@@ -2327,7 +2316,7 @@
           <a:p>
             <a:pPr lvl="0"/>
             <a:r>
-              <a:rPr lang="ko-KR" altLang="en-US" smtClean="0"/>
+              <a:rPr lang="ko-KR" altLang="en-US"/>
               <a:t>마스터 텍스트 스타일 편집</a:t>
             </a:r>
           </a:p>
@@ -2350,7 +2339,7 @@
           <a:p>
             <a:fld id="{5178687E-3123-4786-A35B-24E1671672E9}" type="datetimeFigureOut">
               <a:rPr lang="ko-KR" altLang="en-US" smtClean="0"/>
-              <a:t>2020-04-23</a:t>
+              <a:t>2020-08-17</a:t>
             </a:fld>
             <a:endParaRPr lang="ko-KR" altLang="en-US"/>
           </a:p>
@@ -2459,10 +2448,9 @@
           <a:lstStyle/>
           <a:p>
             <a:r>
-              <a:rPr lang="ko-KR" altLang="en-US" smtClean="0"/>
+              <a:rPr lang="ko-KR" altLang="en-US"/>
               <a:t>마스터 제목 스타일 편집</a:t>
             </a:r>
-            <a:endParaRPr lang="ko-KR" altLang="en-US"/>
           </a:p>
         </p:txBody>
       </p:sp>
@@ -2493,38 +2481,37 @@
           <a:p>
             <a:pPr lvl="0"/>
             <a:r>
-              <a:rPr lang="ko-KR" altLang="en-US" smtClean="0"/>
+              <a:rPr lang="ko-KR" altLang="en-US"/>
               <a:t>마스터 텍스트 스타일 편집</a:t>
             </a:r>
           </a:p>
           <a:p>
             <a:pPr lvl="1"/>
             <a:r>
-              <a:rPr lang="ko-KR" altLang="en-US" smtClean="0"/>
+              <a:rPr lang="ko-KR" altLang="en-US"/>
               <a:t>둘째 수준</a:t>
             </a:r>
           </a:p>
           <a:p>
             <a:pPr lvl="2"/>
             <a:r>
-              <a:rPr lang="ko-KR" altLang="en-US" smtClean="0"/>
+              <a:rPr lang="ko-KR" altLang="en-US"/>
               <a:t>셋째 수준</a:t>
             </a:r>
           </a:p>
           <a:p>
             <a:pPr lvl="3"/>
             <a:r>
-              <a:rPr lang="ko-KR" altLang="en-US" smtClean="0"/>
+              <a:rPr lang="ko-KR" altLang="en-US"/>
               <a:t>넷째 수준</a:t>
             </a:r>
           </a:p>
           <a:p>
             <a:pPr lvl="4"/>
             <a:r>
-              <a:rPr lang="ko-KR" altLang="en-US" smtClean="0"/>
+              <a:rPr lang="ko-KR" altLang="en-US"/>
               <a:t>다섯째 수준</a:t>
             </a:r>
-            <a:endParaRPr lang="ko-KR" altLang="en-US"/>
           </a:p>
         </p:txBody>
       </p:sp>
@@ -2563,7 +2550,7 @@
           <a:p>
             <a:fld id="{5178687E-3123-4786-A35B-24E1671672E9}" type="datetimeFigureOut">
               <a:rPr lang="ko-KR" altLang="en-US" smtClean="0"/>
-              <a:t>2020-04-23</a:t>
+              <a:t>2020-08-17</a:t>
             </a:fld>
             <a:endParaRPr lang="ko-KR" altLang="en-US"/>
           </a:p>
@@ -2970,14 +2957,20 @@
       </p:grpSpPr>
       <p:sp>
         <p:nvSpPr>
-          <p:cNvPr id="5" name="TextBox 4"/>
+          <p:cNvPr id="5" name="TextBox 4">
+            <a:extLst>
+              <a:ext uri="{FF2B5EF4-FFF2-40B4-BE49-F238E27FC236}">
+                <a16:creationId xmlns:a16="http://schemas.microsoft.com/office/drawing/2014/main" id="{CF8FB8AF-C9EE-4CE4-85A4-3B9B35E4FE50}"/>
+              </a:ext>
+            </a:extLst>
+          </p:cNvPr>
           <p:cNvSpPr txBox="1"/>
           <p:nvPr/>
         </p:nvSpPr>
         <p:spPr>
           <a:xfrm>
-            <a:off x="299258" y="349135"/>
-            <a:ext cx="7198574" cy="369332"/>
+            <a:off x="780288" y="338894"/>
+            <a:ext cx="8363712" cy="5632311"/>
           </a:xfrm>
           <a:prstGeom prst="rect">
             <a:avLst/>
@@ -2985,135 +2978,634 @@
           <a:noFill/>
         </p:spPr>
         <p:txBody>
-          <a:bodyPr wrap="none" rtlCol="0">
+          <a:bodyPr wrap="square">
             <a:spAutoFit/>
           </a:bodyPr>
           <a:lstStyle/>
           <a:p>
-            <a:r>
-              <a:rPr lang="en-US" altLang="ko-KR" dirty="0"/>
-              <a:t>Intensive Coursework Cloud App Eng. 1</a:t>
-            </a:r>
-            <a:r>
-              <a:rPr lang="ko-KR" altLang="en-US" dirty="0"/>
-              <a:t>차수 </a:t>
-            </a:r>
-            <a:r>
-              <a:rPr lang="en-US" altLang="ko-KR" dirty="0"/>
-              <a:t>Individual </a:t>
-            </a:r>
-            <a:r>
-              <a:rPr lang="en-US" altLang="ko-KR" dirty="0" smtClean="0"/>
-              <a:t>Assessment</a:t>
-            </a:r>
-          </a:p>
-        </p:txBody>
-      </p:sp>
-      <p:pic>
-        <p:nvPicPr>
-          <p:cNvPr id="6" name="그림 5"/>
-          <p:cNvPicPr>
-            <a:picLocks noChangeAspect="1"/>
-          </p:cNvPicPr>
-          <p:nvPr/>
-        </p:nvPicPr>
-        <p:blipFill>
-          <a:blip r:embed="rId2">
-            <a:extLst>
-              <a:ext uri="{28A0092B-C50C-407E-A947-70E740481C1C}">
-                <a14:useLocalDpi xmlns:a14="http://schemas.microsoft.com/office/drawing/2010/main" val="0"/>
-              </a:ext>
-            </a:extLst>
-          </a:blip>
-          <a:stretch>
-            <a:fillRect/>
-          </a:stretch>
-        </p:blipFill>
-        <p:spPr>
-          <a:xfrm>
-            <a:off x="467373" y="963816"/>
-            <a:ext cx="7737290" cy="5426357"/>
-          </a:xfrm>
-          <a:prstGeom prst="rect">
-            <a:avLst/>
-          </a:prstGeom>
-        </p:spPr>
-      </p:pic>
-      <p:sp>
-        <p:nvSpPr>
-          <p:cNvPr id="7" name="TextBox 6"/>
-          <p:cNvSpPr txBox="1"/>
-          <p:nvPr/>
-        </p:nvSpPr>
-        <p:spPr>
-          <a:xfrm>
-            <a:off x="8404167" y="1088967"/>
-            <a:ext cx="3491346" cy="1200329"/>
-          </a:xfrm>
-          <a:prstGeom prst="rect">
-            <a:avLst/>
-          </a:prstGeom>
-          <a:noFill/>
-        </p:spPr>
-        <p:txBody>
-          <a:bodyPr wrap="square" rtlCol="0">
-            <a:spAutoFit/>
-          </a:bodyPr>
-          <a:lstStyle/>
-          <a:p>
-            <a:r>
-              <a:rPr lang="ko-KR" altLang="en-US" dirty="0" smtClean="0"/>
-              <a:t>분석</a:t>
-            </a:r>
-            <a:r>
-              <a:rPr lang="en-US" altLang="ko-KR" dirty="0" smtClean="0"/>
-              <a:t>/</a:t>
-            </a:r>
-            <a:r>
-              <a:rPr lang="ko-KR" altLang="en-US" dirty="0" smtClean="0"/>
-              <a:t>설계</a:t>
-            </a:r>
-            <a:endParaRPr lang="en-US" altLang="ko-KR" dirty="0" smtClean="0"/>
-          </a:p>
-          <a:p>
-            <a:endParaRPr lang="en-US" altLang="ko-KR" dirty="0" smtClean="0"/>
-          </a:p>
-          <a:p>
-            <a:endParaRPr lang="en-US" altLang="ko-KR" dirty="0"/>
-          </a:p>
-          <a:p>
-            <a:r>
-              <a:rPr lang="ko-KR" altLang="en-US" dirty="0" smtClean="0"/>
-              <a:t>영화 예매</a:t>
-            </a:r>
-            <a:r>
-              <a:rPr lang="en-US" altLang="ko-KR" dirty="0"/>
+            <a:pPr algn="l"/>
+            <a:r>
+              <a:rPr lang="ko-KR" altLang="en-US" b="1" i="0" dirty="0">
+                <a:solidFill>
+                  <a:srgbClr val="24292E"/>
+                </a:solidFill>
+                <a:effectLst/>
+                <a:latin typeface="-apple-system"/>
+              </a:rPr>
+              <a:t>서비스 시나리오</a:t>
+            </a:r>
+            <a:endParaRPr lang="en-US" altLang="ko-KR" b="1" i="0" dirty="0">
+              <a:solidFill>
+                <a:srgbClr val="24292E"/>
+              </a:solidFill>
+              <a:effectLst/>
+              <a:latin typeface="-apple-system"/>
+            </a:endParaRPr>
+          </a:p>
+          <a:p>
+            <a:pPr algn="l"/>
+            <a:endParaRPr lang="en-US" altLang="ko-KR" b="1" dirty="0">
+              <a:solidFill>
+                <a:srgbClr val="24292E"/>
+              </a:solidFill>
+              <a:latin typeface="-apple-system"/>
+            </a:endParaRPr>
+          </a:p>
+          <a:p>
+            <a:pPr algn="l"/>
+            <a:r>
+              <a:rPr lang="en-US" altLang="ko-KR" b="1" i="0" dirty="0">
+                <a:solidFill>
+                  <a:srgbClr val="24292E"/>
+                </a:solidFill>
+                <a:effectLst/>
+                <a:latin typeface="-apple-system"/>
+              </a:rPr>
+              <a:t>[</a:t>
+            </a:r>
+            <a:r>
+              <a:rPr lang="ko-KR" altLang="en-US" b="0" i="0" dirty="0">
+                <a:solidFill>
+                  <a:srgbClr val="24292E"/>
+                </a:solidFill>
+                <a:effectLst/>
+                <a:latin typeface="-apple-system"/>
+              </a:rPr>
+              <a:t>기능적 요구사항</a:t>
+            </a:r>
+            <a:r>
+              <a:rPr lang="en-US" altLang="ko-KR" b="0" i="0" dirty="0">
+                <a:solidFill>
+                  <a:srgbClr val="24292E"/>
+                </a:solidFill>
+                <a:effectLst/>
+                <a:latin typeface="-apple-system"/>
+              </a:rPr>
+              <a:t>]</a:t>
+            </a:r>
+            <a:endParaRPr lang="ko-KR" altLang="en-US" b="0" i="0" dirty="0">
+              <a:solidFill>
+                <a:srgbClr val="24292E"/>
+              </a:solidFill>
+              <a:effectLst/>
+              <a:latin typeface="-apple-system"/>
+            </a:endParaRPr>
+          </a:p>
+          <a:p>
+            <a:pPr algn="l">
+              <a:buFont typeface="+mj-lt"/>
+              <a:buAutoNum type="arabicPeriod"/>
+            </a:pPr>
+            <a:r>
+              <a:rPr lang="ko-KR" altLang="en-US" b="0" i="0" dirty="0">
+                <a:solidFill>
+                  <a:srgbClr val="24292E"/>
+                </a:solidFill>
+                <a:effectLst/>
+                <a:latin typeface="-apple-system"/>
+              </a:rPr>
+              <a:t>시스템은 현재 상영중인 영화 정보를 보여준다</a:t>
+            </a:r>
+            <a:r>
+              <a:rPr lang="en-US" altLang="ko-KR" b="0" i="0" dirty="0">
+                <a:solidFill>
+                  <a:srgbClr val="24292E"/>
+                </a:solidFill>
+                <a:effectLst/>
+                <a:latin typeface="-apple-system"/>
+              </a:rPr>
+              <a:t>.</a:t>
+            </a:r>
+          </a:p>
+          <a:p>
+            <a:pPr algn="l">
+              <a:buFont typeface="+mj-lt"/>
+              <a:buAutoNum type="arabicPeriod"/>
+            </a:pPr>
+            <a:r>
+              <a:rPr lang="ko-KR" altLang="en-US" b="0" i="0" dirty="0">
+                <a:solidFill>
+                  <a:srgbClr val="24292E"/>
+                </a:solidFill>
+                <a:effectLst/>
+                <a:latin typeface="-apple-system"/>
+              </a:rPr>
+              <a:t>고객은 보고 싶은 영화를 선택한다</a:t>
+            </a:r>
+            <a:r>
+              <a:rPr lang="en-US" altLang="ko-KR" b="0" i="0" dirty="0">
+                <a:solidFill>
+                  <a:srgbClr val="24292E"/>
+                </a:solidFill>
+                <a:effectLst/>
+                <a:latin typeface="-apple-system"/>
+              </a:rPr>
+              <a:t>.</a:t>
+            </a:r>
+          </a:p>
+          <a:p>
+            <a:pPr algn="l">
+              <a:buFont typeface="+mj-lt"/>
+              <a:buAutoNum type="arabicPeriod"/>
+            </a:pPr>
+            <a:r>
+              <a:rPr lang="ko-KR" altLang="en-US" b="0" i="0" dirty="0">
+                <a:solidFill>
+                  <a:srgbClr val="24292E"/>
+                </a:solidFill>
+                <a:effectLst/>
+                <a:latin typeface="-apple-system"/>
+              </a:rPr>
+              <a:t>시스템은 선택한 영화의 상영가능 영화관과 날짜</a:t>
+            </a:r>
+            <a:r>
+              <a:rPr lang="en-US" altLang="ko-KR" b="0" i="0" dirty="0">
+                <a:solidFill>
+                  <a:srgbClr val="24292E"/>
+                </a:solidFill>
+                <a:effectLst/>
+                <a:latin typeface="-apple-system"/>
+              </a:rPr>
+              <a:t>, </a:t>
+            </a:r>
+            <a:r>
+              <a:rPr lang="ko-KR" altLang="en-US" b="0" i="0" dirty="0" err="1">
+                <a:solidFill>
+                  <a:srgbClr val="24292E"/>
+                </a:solidFill>
+                <a:effectLst/>
+                <a:latin typeface="-apple-system"/>
+              </a:rPr>
+              <a:t>시간를</a:t>
+            </a:r>
+            <a:r>
+              <a:rPr lang="ko-KR" altLang="en-US" b="0" i="0" dirty="0">
+                <a:solidFill>
+                  <a:srgbClr val="24292E"/>
+                </a:solidFill>
+                <a:effectLst/>
+                <a:latin typeface="-apple-system"/>
+              </a:rPr>
+              <a:t> 보여준다</a:t>
+            </a:r>
+            <a:r>
+              <a:rPr lang="en-US" altLang="ko-KR" b="0" i="0" dirty="0">
+                <a:solidFill>
+                  <a:srgbClr val="24292E"/>
+                </a:solidFill>
+                <a:effectLst/>
+                <a:latin typeface="-apple-system"/>
+              </a:rPr>
+              <a:t>.</a:t>
+            </a:r>
+          </a:p>
+          <a:p>
+            <a:pPr algn="l">
+              <a:buFont typeface="+mj-lt"/>
+              <a:buAutoNum type="arabicPeriod"/>
+            </a:pPr>
+            <a:r>
+              <a:rPr lang="ko-KR" altLang="en-US" b="0" i="0" dirty="0">
+                <a:solidFill>
+                  <a:srgbClr val="24292E"/>
+                </a:solidFill>
+                <a:effectLst/>
+                <a:latin typeface="-apple-system"/>
+              </a:rPr>
+              <a:t>고객은 시간을 선택 후 예약현황을 보고 좌석을 선택한다</a:t>
+            </a:r>
+            <a:r>
+              <a:rPr lang="en-US" altLang="ko-KR" b="0" i="0" dirty="0">
+                <a:solidFill>
+                  <a:srgbClr val="24292E"/>
+                </a:solidFill>
+                <a:effectLst/>
+                <a:latin typeface="-apple-system"/>
+              </a:rPr>
+              <a:t>.</a:t>
+            </a:r>
+          </a:p>
+          <a:p>
+            <a:pPr algn="l">
+              <a:buFont typeface="+mj-lt"/>
+              <a:buAutoNum type="arabicPeriod"/>
+            </a:pPr>
+            <a:r>
+              <a:rPr lang="ko-KR" altLang="en-US" b="0" i="0" dirty="0">
+                <a:solidFill>
+                  <a:srgbClr val="24292E"/>
+                </a:solidFill>
+                <a:effectLst/>
+                <a:latin typeface="-apple-system"/>
+              </a:rPr>
+              <a:t>고객은 결제를 요청한다</a:t>
+            </a:r>
+            <a:r>
+              <a:rPr lang="en-US" altLang="ko-KR" b="0" i="0" dirty="0">
+                <a:solidFill>
+                  <a:srgbClr val="24292E"/>
+                </a:solidFill>
+                <a:effectLst/>
+                <a:latin typeface="-apple-system"/>
+              </a:rPr>
+              <a:t>.</a:t>
+            </a:r>
+          </a:p>
+          <a:p>
+            <a:pPr algn="l">
+              <a:buFont typeface="+mj-lt"/>
+              <a:buAutoNum type="arabicPeriod"/>
+            </a:pPr>
+            <a:r>
+              <a:rPr lang="ko-KR" altLang="en-US" b="0" i="0" dirty="0">
+                <a:solidFill>
+                  <a:srgbClr val="24292E"/>
+                </a:solidFill>
+                <a:effectLst/>
+                <a:latin typeface="-apple-system"/>
+              </a:rPr>
+              <a:t>시스템은 결제 기능을 제공한다</a:t>
+            </a:r>
+            <a:r>
+              <a:rPr lang="en-US" altLang="ko-KR" b="0" i="0" dirty="0">
+                <a:solidFill>
+                  <a:srgbClr val="24292E"/>
+                </a:solidFill>
+                <a:effectLst/>
+                <a:latin typeface="-apple-system"/>
+              </a:rPr>
+              <a:t>.</a:t>
+            </a:r>
+          </a:p>
+          <a:p>
+            <a:pPr algn="l">
+              <a:buFont typeface="+mj-lt"/>
+              <a:buAutoNum type="arabicPeriod"/>
+            </a:pPr>
+            <a:r>
+              <a:rPr lang="ko-KR" altLang="en-US" b="0" i="0" dirty="0">
+                <a:solidFill>
+                  <a:srgbClr val="24292E"/>
+                </a:solidFill>
+                <a:effectLst/>
+                <a:latin typeface="-apple-system"/>
+              </a:rPr>
+              <a:t>고객은 </a:t>
+            </a:r>
+            <a:r>
+              <a:rPr lang="en-US" altLang="ko-KR" b="0" i="0" dirty="0" err="1">
+                <a:solidFill>
+                  <a:srgbClr val="24292E"/>
+                </a:solidFill>
+                <a:effectLst/>
+                <a:latin typeface="-apple-system"/>
+              </a:rPr>
+              <a:t>MyPage</a:t>
+            </a:r>
+            <a:r>
+              <a:rPr lang="ko-KR" altLang="en-US" b="0" i="0" dirty="0">
+                <a:solidFill>
+                  <a:srgbClr val="24292E"/>
+                </a:solidFill>
+                <a:effectLst/>
+                <a:latin typeface="-apple-system"/>
+              </a:rPr>
+              <a:t>에서 예약된 정보를 조회할 수 있다</a:t>
+            </a:r>
+            <a:r>
+              <a:rPr lang="en-US" altLang="ko-KR" b="0" i="0" dirty="0">
+                <a:solidFill>
+                  <a:srgbClr val="24292E"/>
+                </a:solidFill>
+                <a:effectLst/>
+                <a:latin typeface="-apple-system"/>
+              </a:rPr>
+              <a:t>.</a:t>
+            </a:r>
+          </a:p>
+          <a:p>
+            <a:pPr algn="l">
+              <a:buFont typeface="+mj-lt"/>
+              <a:buAutoNum type="arabicPeriod"/>
+            </a:pPr>
+            <a:r>
+              <a:rPr lang="ko-KR" altLang="en-US" b="0" i="0" dirty="0">
+                <a:solidFill>
+                  <a:srgbClr val="24292E"/>
+                </a:solidFill>
+                <a:effectLst/>
+                <a:latin typeface="-apple-system"/>
+              </a:rPr>
+              <a:t>예약한 정보는 고객은 취소할 수 있다</a:t>
+            </a:r>
+            <a:r>
+              <a:rPr lang="en-US" altLang="ko-KR" b="0" i="0" dirty="0">
+                <a:solidFill>
+                  <a:srgbClr val="24292E"/>
+                </a:solidFill>
+                <a:effectLst/>
+                <a:latin typeface="-apple-system"/>
+              </a:rPr>
+              <a:t>.</a:t>
+            </a:r>
+          </a:p>
+          <a:p>
+            <a:pPr algn="l">
+              <a:buFont typeface="+mj-lt"/>
+              <a:buAutoNum type="arabicPeriod"/>
+            </a:pPr>
+            <a:r>
+              <a:rPr lang="ko-KR" altLang="en-US" b="0" i="0" dirty="0">
+                <a:solidFill>
+                  <a:srgbClr val="24292E"/>
+                </a:solidFill>
+                <a:effectLst/>
+                <a:latin typeface="-apple-system"/>
+              </a:rPr>
+              <a:t>예약 정보가 </a:t>
+            </a:r>
+            <a:r>
+              <a:rPr lang="ko-KR" altLang="en-US" b="0" i="0" dirty="0" err="1">
+                <a:solidFill>
+                  <a:srgbClr val="24292E"/>
+                </a:solidFill>
+                <a:effectLst/>
+                <a:latin typeface="-apple-system"/>
+              </a:rPr>
+              <a:t>바뀔때</a:t>
+            </a:r>
+            <a:r>
+              <a:rPr lang="ko-KR" altLang="en-US" b="0" i="0" dirty="0">
+                <a:solidFill>
+                  <a:srgbClr val="24292E"/>
+                </a:solidFill>
+                <a:effectLst/>
+                <a:latin typeface="-apple-system"/>
+              </a:rPr>
+              <a:t> 마다 시스템은 카톡으로 알림을 보낸다</a:t>
+            </a:r>
+            <a:r>
+              <a:rPr lang="en-US" altLang="ko-KR" b="0" i="0" dirty="0">
+                <a:solidFill>
+                  <a:srgbClr val="24292E"/>
+                </a:solidFill>
+                <a:effectLst/>
+                <a:latin typeface="-apple-system"/>
+              </a:rPr>
+              <a:t>.</a:t>
+            </a:r>
+          </a:p>
+          <a:p>
+            <a:pPr algn="l"/>
+            <a:endParaRPr lang="en-US" altLang="ko-KR" b="0" i="0" dirty="0">
+              <a:solidFill>
+                <a:srgbClr val="24292E"/>
+              </a:solidFill>
+              <a:effectLst/>
+              <a:latin typeface="-apple-system"/>
+            </a:endParaRPr>
+          </a:p>
+          <a:p>
+            <a:pPr algn="l"/>
+            <a:r>
+              <a:rPr lang="en-US" altLang="ko-KR" dirty="0">
+                <a:solidFill>
+                  <a:srgbClr val="24292E"/>
+                </a:solidFill>
+                <a:latin typeface="-apple-system"/>
+              </a:rPr>
+              <a:t>[</a:t>
+            </a:r>
+            <a:r>
+              <a:rPr lang="ko-KR" altLang="en-US" b="0" i="0" dirty="0">
+                <a:solidFill>
+                  <a:srgbClr val="24292E"/>
+                </a:solidFill>
+                <a:effectLst/>
+                <a:latin typeface="-apple-system"/>
+              </a:rPr>
+              <a:t>비기능적 요구사항</a:t>
+            </a:r>
+            <a:r>
+              <a:rPr lang="en-US" altLang="ko-KR" b="0" i="0" dirty="0">
+                <a:solidFill>
+                  <a:srgbClr val="24292E"/>
+                </a:solidFill>
+                <a:effectLst/>
+                <a:latin typeface="-apple-system"/>
+              </a:rPr>
+              <a:t>]</a:t>
+            </a:r>
+            <a:endParaRPr lang="ko-KR" altLang="en-US" b="0" i="0" dirty="0">
+              <a:solidFill>
+                <a:srgbClr val="24292E"/>
+              </a:solidFill>
+              <a:effectLst/>
+              <a:latin typeface="-apple-system"/>
+            </a:endParaRPr>
+          </a:p>
+          <a:p>
+            <a:pPr algn="l">
+              <a:buFont typeface="+mj-lt"/>
+              <a:buAutoNum type="arabicPeriod"/>
+            </a:pPr>
+            <a:r>
+              <a:rPr lang="ko-KR" altLang="en-US" b="0" i="0" dirty="0">
+                <a:solidFill>
+                  <a:srgbClr val="24292E"/>
+                </a:solidFill>
+                <a:effectLst/>
+                <a:latin typeface="-apple-system"/>
+              </a:rPr>
+              <a:t>트랜잭션</a:t>
+            </a:r>
+          </a:p>
+          <a:p>
+            <a:pPr marL="742950" lvl="1" indent="-285750" algn="l">
+              <a:buFont typeface="+mj-lt"/>
+              <a:buAutoNum type="arabicPeriod"/>
+            </a:pPr>
+            <a:r>
+              <a:rPr lang="ko-KR" altLang="en-US" b="0" i="0" dirty="0">
+                <a:solidFill>
+                  <a:srgbClr val="24292E"/>
+                </a:solidFill>
+                <a:effectLst/>
+                <a:latin typeface="-apple-system"/>
+              </a:rPr>
+              <a:t>결재 완료되어야 영화 관람이 가능하다</a:t>
+            </a:r>
+            <a:r>
+              <a:rPr lang="en-US" altLang="ko-KR" b="0" i="0" dirty="0">
+                <a:solidFill>
+                  <a:srgbClr val="24292E"/>
+                </a:solidFill>
+                <a:effectLst/>
+                <a:latin typeface="-apple-system"/>
+              </a:rPr>
+              <a:t>. Sync </a:t>
+            </a:r>
+            <a:r>
+              <a:rPr lang="ko-KR" altLang="en-US" b="0" i="0" dirty="0">
+                <a:solidFill>
+                  <a:srgbClr val="24292E"/>
+                </a:solidFill>
+                <a:effectLst/>
+                <a:latin typeface="-apple-system"/>
+              </a:rPr>
+              <a:t>호출</a:t>
+            </a:r>
+          </a:p>
+          <a:p>
+            <a:pPr algn="l">
+              <a:buFont typeface="+mj-lt"/>
+              <a:buAutoNum type="arabicPeriod"/>
+            </a:pPr>
+            <a:r>
+              <a:rPr lang="ko-KR" altLang="en-US" b="0" i="0" dirty="0">
+                <a:solidFill>
+                  <a:srgbClr val="24292E"/>
+                </a:solidFill>
+                <a:effectLst/>
+                <a:latin typeface="-apple-system"/>
+              </a:rPr>
+              <a:t>장애격리</a:t>
+            </a:r>
+          </a:p>
+          <a:p>
+            <a:pPr marL="742950" lvl="1" indent="-285750" algn="l">
+              <a:buFont typeface="+mj-lt"/>
+              <a:buAutoNum type="arabicPeriod"/>
+            </a:pPr>
+            <a:r>
+              <a:rPr lang="ko-KR" altLang="en-US" b="0" i="0" dirty="0">
+                <a:solidFill>
+                  <a:srgbClr val="24292E"/>
+                </a:solidFill>
+                <a:effectLst/>
+                <a:latin typeface="-apple-system"/>
+              </a:rPr>
+              <a:t>결재 중 시스템 </a:t>
+            </a:r>
+            <a:r>
+              <a:rPr lang="ko-KR" altLang="en-US" b="0" i="0" dirty="0" err="1">
+                <a:solidFill>
+                  <a:srgbClr val="24292E"/>
+                </a:solidFill>
+                <a:effectLst/>
+                <a:latin typeface="-apple-system"/>
+              </a:rPr>
+              <a:t>오류시</a:t>
+            </a:r>
+            <a:r>
+              <a:rPr lang="ko-KR" altLang="en-US" b="0" i="0" dirty="0">
+                <a:solidFill>
+                  <a:srgbClr val="24292E"/>
+                </a:solidFill>
+                <a:effectLst/>
+                <a:latin typeface="-apple-system"/>
+              </a:rPr>
+              <a:t> 결제 보류를 유도한다</a:t>
+            </a:r>
+            <a:r>
+              <a:rPr lang="en-US" altLang="ko-KR" b="0" i="0" dirty="0">
+                <a:solidFill>
+                  <a:srgbClr val="24292E"/>
+                </a:solidFill>
+                <a:effectLst/>
+                <a:latin typeface="-apple-system"/>
+              </a:rPr>
+              <a:t>. Circuit breaker</a:t>
+            </a:r>
+          </a:p>
+          <a:p>
+            <a:pPr algn="l">
+              <a:buFont typeface="+mj-lt"/>
+              <a:buAutoNum type="arabicPeriod"/>
+            </a:pPr>
+            <a:r>
+              <a:rPr lang="ko-KR" altLang="en-US" b="0" i="0" dirty="0">
+                <a:solidFill>
+                  <a:srgbClr val="24292E"/>
+                </a:solidFill>
+                <a:effectLst/>
+                <a:latin typeface="-apple-system"/>
+              </a:rPr>
+              <a:t>성능</a:t>
+            </a:r>
+          </a:p>
+          <a:p>
+            <a:pPr marL="742950" lvl="1" indent="-285750" algn="l">
+              <a:buFont typeface="+mj-lt"/>
+              <a:buAutoNum type="arabicPeriod"/>
+            </a:pPr>
+            <a:r>
+              <a:rPr lang="ko-KR" altLang="en-US" b="0" i="0" dirty="0">
+                <a:solidFill>
+                  <a:srgbClr val="24292E"/>
+                </a:solidFill>
+                <a:effectLst/>
+                <a:latin typeface="-apple-system"/>
+              </a:rPr>
+              <a:t>예약상태 변경시마다 </a:t>
+            </a:r>
+            <a:r>
+              <a:rPr lang="ko-KR" altLang="en-US" b="0" i="0" dirty="0" err="1">
+                <a:solidFill>
+                  <a:srgbClr val="24292E"/>
+                </a:solidFill>
+                <a:effectLst/>
+                <a:latin typeface="-apple-system"/>
+              </a:rPr>
+              <a:t>카톡등으로</a:t>
+            </a:r>
+            <a:r>
+              <a:rPr lang="ko-KR" altLang="en-US" b="0" i="0" dirty="0">
+                <a:solidFill>
+                  <a:srgbClr val="24292E"/>
+                </a:solidFill>
+                <a:effectLst/>
+                <a:latin typeface="-apple-system"/>
+              </a:rPr>
+              <a:t> 알림을 줄 수 있어야 한다</a:t>
+            </a:r>
+            <a:r>
+              <a:rPr lang="en-US" altLang="ko-KR" b="0" i="0" dirty="0">
+                <a:solidFill>
+                  <a:srgbClr val="24292E"/>
+                </a:solidFill>
+                <a:effectLst/>
+                <a:latin typeface="-apple-system"/>
+              </a:rPr>
+              <a:t>. Event</a:t>
+            </a:r>
+            <a:r>
+              <a:rPr lang="ko-KR" altLang="en-US" b="0" i="0" dirty="0">
+                <a:solidFill>
+                  <a:srgbClr val="24292E"/>
+                </a:solidFill>
+                <a:effectLst/>
+                <a:latin typeface="-apple-system"/>
+              </a:rPr>
               <a:t> </a:t>
             </a:r>
             <a:r>
-              <a:rPr lang="en-US" altLang="ko-KR" dirty="0" smtClean="0"/>
-              <a:t>-&gt; </a:t>
-            </a:r>
-            <a:r>
-              <a:rPr lang="ko-KR" altLang="en-US" dirty="0" smtClean="0"/>
-              <a:t>결제 </a:t>
-            </a:r>
-            <a:r>
-              <a:rPr lang="en-US" altLang="ko-KR" dirty="0" smtClean="0"/>
-              <a:t>-&gt; </a:t>
-            </a:r>
-            <a:r>
-              <a:rPr lang="ko-KR" altLang="en-US" dirty="0" err="1" smtClean="0"/>
-              <a:t>카톡알림</a:t>
-            </a:r>
-            <a:endParaRPr lang="en-US" altLang="ko-KR" dirty="0" smtClean="0"/>
+              <a:rPr lang="en-US" altLang="ko-KR" b="0" i="0" dirty="0">
+                <a:solidFill>
+                  <a:srgbClr val="24292E"/>
+                </a:solidFill>
+                <a:effectLst/>
+                <a:latin typeface="-apple-system"/>
+              </a:rPr>
+              <a:t>driven</a:t>
+            </a:r>
           </a:p>
         </p:txBody>
       </p:sp>
     </p:spTree>
     <p:extLst>
       <p:ext uri="{BB962C8B-B14F-4D97-AF65-F5344CB8AC3E}">
-        <p14:creationId xmlns:p14="http://schemas.microsoft.com/office/powerpoint/2010/main" val="3635309278"/>
+        <p14:creationId xmlns:p14="http://schemas.microsoft.com/office/powerpoint/2010/main" val="1236274551"/>
       </p:ext>
     </p:extLst>
   </p:cSld>
@@ -3140,9 +3632,46 @@
           <a:chExt cx="0" cy="0"/>
         </a:xfrm>
       </p:grpSpPr>
+      <p:sp>
+        <p:nvSpPr>
+          <p:cNvPr id="5" name="TextBox 4"/>
+          <p:cNvSpPr txBox="1"/>
+          <p:nvPr/>
+        </p:nvSpPr>
+        <p:spPr>
+          <a:xfrm>
+            <a:off x="299258" y="349135"/>
+            <a:ext cx="7198574" cy="369332"/>
+          </a:xfrm>
+          <a:prstGeom prst="rect">
+            <a:avLst/>
+          </a:prstGeom>
+          <a:noFill/>
+        </p:spPr>
+        <p:txBody>
+          <a:bodyPr wrap="none" rtlCol="0">
+            <a:spAutoFit/>
+          </a:bodyPr>
+          <a:lstStyle/>
+          <a:p>
+            <a:r>
+              <a:rPr lang="en-US" altLang="ko-KR" dirty="0"/>
+              <a:t>Intensive Coursework Cloud App Eng. 1</a:t>
+            </a:r>
+            <a:r>
+              <a:rPr lang="ko-KR" altLang="en-US" dirty="0"/>
+              <a:t>차수 </a:t>
+            </a:r>
+            <a:r>
+              <a:rPr lang="en-US" altLang="ko-KR" dirty="0"/>
+              <a:t>Individual Assessment</a:t>
+            </a:r>
+          </a:p>
+        </p:txBody>
+      </p:sp>
       <p:pic>
         <p:nvPicPr>
-          <p:cNvPr id="2" name="그림 1"/>
+          <p:cNvPr id="6" name="그림 5"/>
           <p:cNvPicPr>
             <a:picLocks noChangeAspect="1"/>
           </p:cNvPicPr>
@@ -3162,53 +3691,23 @@
         </p:blipFill>
         <p:spPr>
           <a:xfrm>
-            <a:off x="149426" y="3746601"/>
-            <a:ext cx="6492443" cy="3020587"/>
+            <a:off x="467373" y="963816"/>
+            <a:ext cx="7737290" cy="5426357"/>
           </a:xfrm>
           <a:prstGeom prst="rect">
             <a:avLst/>
           </a:prstGeom>
         </p:spPr>
       </p:pic>
-      <p:pic>
-        <p:nvPicPr>
-          <p:cNvPr id="3" name="그림 2"/>
-          <p:cNvPicPr>
-            <a:picLocks noChangeAspect="1"/>
-          </p:cNvPicPr>
-          <p:nvPr/>
-        </p:nvPicPr>
-        <p:blipFill>
-          <a:blip r:embed="rId3">
-            <a:extLst>
-              <a:ext uri="{28A0092B-C50C-407E-A947-70E740481C1C}">
-                <a14:useLocalDpi xmlns:a14="http://schemas.microsoft.com/office/drawing/2010/main" val="0"/>
-              </a:ext>
-            </a:extLst>
-          </a:blip>
-          <a:stretch>
-            <a:fillRect/>
-          </a:stretch>
-        </p:blipFill>
-        <p:spPr>
-          <a:xfrm>
-            <a:off x="149426" y="108062"/>
-            <a:ext cx="8752852" cy="3557847"/>
-          </a:xfrm>
-          <a:prstGeom prst="rect">
-            <a:avLst/>
-          </a:prstGeom>
-        </p:spPr>
-      </p:pic>
-      <p:sp>
-        <p:nvSpPr>
-          <p:cNvPr id="4" name="TextBox 3"/>
+      <p:sp>
+        <p:nvSpPr>
+          <p:cNvPr id="7" name="TextBox 6"/>
           <p:cNvSpPr txBox="1"/>
           <p:nvPr/>
         </p:nvSpPr>
         <p:spPr>
           <a:xfrm>
-            <a:off x="7930342" y="4272741"/>
+            <a:off x="8404167" y="1088967"/>
             <a:ext cx="3491346" cy="1200329"/>
           </a:xfrm>
           <a:prstGeom prst="rect">
@@ -3223,37 +3722,54 @@
           <a:lstStyle/>
           <a:p>
             <a:r>
-              <a:rPr lang="en-US" altLang="ko-KR" dirty="0" smtClean="0"/>
-              <a:t>Local Test</a:t>
-            </a:r>
-          </a:p>
-          <a:p>
-            <a:endParaRPr lang="en-US" altLang="ko-KR" dirty="0" smtClean="0"/>
-          </a:p>
-          <a:p>
-            <a:r>
-              <a:rPr lang="ko-KR" altLang="en-US" dirty="0" smtClean="0"/>
+              <a:rPr lang="ko-KR" altLang="en-US" dirty="0"/>
+              <a:t>분석</a:t>
+            </a:r>
+            <a:r>
+              <a:rPr lang="en-US" altLang="ko-KR" dirty="0"/>
+              <a:t>/</a:t>
+            </a:r>
+            <a:r>
+              <a:rPr lang="ko-KR" altLang="en-US" dirty="0"/>
+              <a:t>설계</a:t>
+            </a:r>
+            <a:endParaRPr lang="en-US" altLang="ko-KR" dirty="0"/>
+          </a:p>
+          <a:p>
+            <a:endParaRPr lang="en-US" altLang="ko-KR" dirty="0"/>
+          </a:p>
+          <a:p>
+            <a:endParaRPr lang="en-US" altLang="ko-KR" dirty="0"/>
+          </a:p>
+          <a:p>
+            <a:r>
+              <a:rPr lang="ko-KR" altLang="en-US" dirty="0"/>
               <a:t>영화 예매</a:t>
             </a:r>
             <a:r>
               <a:rPr lang="en-US" altLang="ko-KR" dirty="0"/>
-              <a:t> </a:t>
-            </a:r>
-            <a:endParaRPr lang="en-US" altLang="ko-KR" dirty="0" smtClean="0"/>
-          </a:p>
-          <a:p>
-            <a:r>
-              <a:rPr lang="ko-KR" altLang="en-US" dirty="0" smtClean="0"/>
-              <a:t>결제</a:t>
-            </a:r>
-            <a:endParaRPr lang="en-US" altLang="ko-KR" dirty="0" smtClean="0"/>
+              <a:t> -&gt; </a:t>
+            </a:r>
+            <a:r>
+              <a:rPr lang="ko-KR" altLang="en-US" dirty="0"/>
+              <a:t>결제 </a:t>
+            </a:r>
+            <a:r>
+              <a:rPr lang="en-US" altLang="ko-KR" dirty="0"/>
+              <a:t>-&gt; </a:t>
+            </a:r>
+            <a:r>
+              <a:rPr lang="ko-KR" altLang="en-US" dirty="0" err="1"/>
+              <a:t>카톡알림</a:t>
+            </a:r>
+            <a:endParaRPr lang="en-US" altLang="ko-KR" dirty="0"/>
           </a:p>
         </p:txBody>
       </p:sp>
     </p:spTree>
     <p:extLst>
       <p:ext uri="{BB962C8B-B14F-4D97-AF65-F5344CB8AC3E}">
-        <p14:creationId xmlns:p14="http://schemas.microsoft.com/office/powerpoint/2010/main" val="2069145086"/>
+        <p14:creationId xmlns:p14="http://schemas.microsoft.com/office/powerpoint/2010/main" val="3635309278"/>
       </p:ext>
     </p:extLst>
   </p:cSld>
@@ -3280,46 +3796,195 @@
           <a:chExt cx="0" cy="0"/>
         </a:xfrm>
       </p:grpSpPr>
-      <p:pic>
-        <p:nvPicPr>
-          <p:cNvPr id="4" name="그림 3"/>
-          <p:cNvPicPr>
-            <a:picLocks noChangeAspect="1"/>
-          </p:cNvPicPr>
-          <p:nvPr/>
-        </p:nvPicPr>
-        <p:blipFill>
-          <a:blip r:embed="rId2">
+      <p:sp>
+        <p:nvSpPr>
+          <p:cNvPr id="4" name="사각형: 둥근 모서리 3">
             <a:extLst>
-              <a:ext uri="{28A0092B-C50C-407E-A947-70E740481C1C}">
-                <a14:useLocalDpi xmlns:a14="http://schemas.microsoft.com/office/drawing/2010/main" val="0"/>
+              <a:ext uri="{FF2B5EF4-FFF2-40B4-BE49-F238E27FC236}">
+                <a16:creationId xmlns:a16="http://schemas.microsoft.com/office/drawing/2014/main" id="{4E5745C7-D78B-4A6F-BE2A-13D0ACC8187E}"/>
               </a:ext>
             </a:extLst>
-          </a:blip>
-          <a:stretch>
-            <a:fillRect/>
-          </a:stretch>
-        </p:blipFill>
-        <p:spPr>
-          <a:xfrm>
-            <a:off x="242535" y="968569"/>
-            <a:ext cx="8764223" cy="4239217"/>
-          </a:xfrm>
-          <a:prstGeom prst="rect">
+          </p:cNvPr>
+          <p:cNvSpPr/>
+          <p:nvPr/>
+        </p:nvSpPr>
+        <p:spPr>
+          <a:xfrm>
+            <a:off x="980665" y="839972"/>
+            <a:ext cx="9647574" cy="489098"/>
+          </a:xfrm>
+          <a:prstGeom prst="roundRect">
             <a:avLst/>
           </a:prstGeom>
-        </p:spPr>
-      </p:pic>
-      <p:sp>
-        <p:nvSpPr>
-          <p:cNvPr id="5" name="TextBox 4"/>
+          <a:solidFill>
+            <a:srgbClr val="5597D3"/>
+          </a:solidFill>
+        </p:spPr>
+        <p:style>
+          <a:lnRef idx="2">
+            <a:schemeClr val="accent1">
+              <a:shade val="50000"/>
+            </a:schemeClr>
+          </a:lnRef>
+          <a:fillRef idx="1">
+            <a:schemeClr val="accent1"/>
+          </a:fillRef>
+          <a:effectRef idx="0">
+            <a:schemeClr val="accent1"/>
+          </a:effectRef>
+          <a:fontRef idx="minor">
+            <a:schemeClr val="lt1"/>
+          </a:fontRef>
+        </p:style>
+        <p:txBody>
+          <a:bodyPr rtlCol="0" anchor="ctr"/>
+          <a:lstStyle/>
+          <a:p>
+            <a:pPr algn="ctr"/>
+            <a:r>
+              <a:rPr lang="ko-KR" altLang="en-US" b="1" dirty="0">
+                <a:latin typeface="+mn-ea"/>
+              </a:rPr>
+              <a:t>분산</a:t>
+            </a:r>
+            <a:r>
+              <a:rPr lang="en-US" altLang="ko-KR" b="1" dirty="0">
+                <a:latin typeface="+mn-ea"/>
+              </a:rPr>
+              <a:t> </a:t>
+            </a:r>
+            <a:r>
+              <a:rPr lang="ko-KR" altLang="en-US" b="1" dirty="0">
+                <a:latin typeface="+mn-ea"/>
+              </a:rPr>
+              <a:t>이벤트 스트림</a:t>
+            </a:r>
+            <a:r>
+              <a:rPr lang="en-US" altLang="ko-KR" b="1" dirty="0">
+                <a:latin typeface="+mn-ea"/>
+              </a:rPr>
+              <a:t>(Kafka)</a:t>
+            </a:r>
+            <a:endParaRPr lang="ko-KR" altLang="en-US" b="1" dirty="0">
+              <a:latin typeface="+mn-ea"/>
+            </a:endParaRPr>
+          </a:p>
+        </p:txBody>
+      </p:sp>
+      <p:sp>
+        <p:nvSpPr>
+          <p:cNvPr id="5" name="육각형 4">
+            <a:extLst>
+              <a:ext uri="{FF2B5EF4-FFF2-40B4-BE49-F238E27FC236}">
+                <a16:creationId xmlns:a16="http://schemas.microsoft.com/office/drawing/2014/main" id="{6D91D51E-B39B-4066-A371-CD3FCBF8C245}"/>
+              </a:ext>
+            </a:extLst>
+          </p:cNvPr>
+          <p:cNvSpPr/>
+          <p:nvPr/>
+        </p:nvSpPr>
+        <p:spPr>
+          <a:xfrm>
+            <a:off x="2070655" y="2236302"/>
+            <a:ext cx="1531156" cy="1417709"/>
+          </a:xfrm>
+          <a:prstGeom prst="hexagon">
+            <a:avLst/>
+          </a:prstGeom>
+          <a:solidFill>
+            <a:schemeClr val="accent6"/>
+          </a:solidFill>
+        </p:spPr>
+        <p:style>
+          <a:lnRef idx="2">
+            <a:schemeClr val="accent1">
+              <a:shade val="50000"/>
+            </a:schemeClr>
+          </a:lnRef>
+          <a:fillRef idx="1">
+            <a:schemeClr val="accent1"/>
+          </a:fillRef>
+          <a:effectRef idx="0">
+            <a:schemeClr val="accent1"/>
+          </a:effectRef>
+          <a:fontRef idx="minor">
+            <a:schemeClr val="lt1"/>
+          </a:fontRef>
+        </p:style>
+        <p:txBody>
+          <a:bodyPr rtlCol="0" anchor="ctr"/>
+          <a:lstStyle/>
+          <a:p>
+            <a:pPr algn="ctr"/>
+            <a:endParaRPr lang="ko-KR" altLang="en-US" dirty="0"/>
+          </a:p>
+        </p:txBody>
+      </p:sp>
+      <p:sp>
+        <p:nvSpPr>
+          <p:cNvPr id="6" name="육각형 5">
+            <a:extLst>
+              <a:ext uri="{FF2B5EF4-FFF2-40B4-BE49-F238E27FC236}">
+                <a16:creationId xmlns:a16="http://schemas.microsoft.com/office/drawing/2014/main" id="{997B54F1-3C1F-4C4D-845F-39624C001D65}"/>
+              </a:ext>
+            </a:extLst>
+          </p:cNvPr>
+          <p:cNvSpPr/>
+          <p:nvPr/>
+        </p:nvSpPr>
+        <p:spPr>
+          <a:xfrm>
+            <a:off x="2305881" y="2451650"/>
+            <a:ext cx="1060704" cy="963763"/>
+          </a:xfrm>
+          <a:prstGeom prst="hexagon">
+            <a:avLst/>
+          </a:prstGeom>
+          <a:solidFill>
+            <a:srgbClr val="FFFF00"/>
+          </a:solidFill>
+        </p:spPr>
+        <p:style>
+          <a:lnRef idx="2">
+            <a:schemeClr val="accent1">
+              <a:shade val="50000"/>
+            </a:schemeClr>
+          </a:lnRef>
+          <a:fillRef idx="1">
+            <a:schemeClr val="accent1"/>
+          </a:fillRef>
+          <a:effectRef idx="0">
+            <a:schemeClr val="accent1"/>
+          </a:effectRef>
+          <a:fontRef idx="minor">
+            <a:schemeClr val="lt1"/>
+          </a:fontRef>
+        </p:style>
+        <p:txBody>
+          <a:bodyPr rtlCol="0" anchor="ctr"/>
+          <a:lstStyle/>
+          <a:p>
+            <a:pPr algn="ctr"/>
+            <a:endParaRPr lang="ko-KR" altLang="en-US"/>
+          </a:p>
+        </p:txBody>
+      </p:sp>
+      <p:sp>
+        <p:nvSpPr>
+          <p:cNvPr id="7" name="TextBox 6">
+            <a:extLst>
+              <a:ext uri="{FF2B5EF4-FFF2-40B4-BE49-F238E27FC236}">
+                <a16:creationId xmlns:a16="http://schemas.microsoft.com/office/drawing/2014/main" id="{599881D0-299A-4712-AE9A-40D716DC833D}"/>
+              </a:ext>
+            </a:extLst>
+          </p:cNvPr>
           <p:cNvSpPr txBox="1"/>
           <p:nvPr/>
         </p:nvSpPr>
         <p:spPr>
           <a:xfrm>
-            <a:off x="9185563" y="1122217"/>
-            <a:ext cx="1629295" cy="923330"/>
+            <a:off x="2317478" y="2822711"/>
+            <a:ext cx="1060704" cy="276999"/>
           </a:xfrm>
           <a:prstGeom prst="rect">
             <a:avLst/>
@@ -3332,35 +3997,1209 @@
           </a:bodyPr>
           <a:lstStyle/>
           <a:p>
-            <a:r>
-              <a:rPr lang="ko-KR" altLang="en-US" dirty="0" smtClean="0"/>
-              <a:t>운영</a:t>
-            </a:r>
-            <a:endParaRPr lang="en-US" altLang="ko-KR" dirty="0" smtClean="0"/>
-          </a:p>
-          <a:p>
-            <a:endParaRPr lang="en-US" altLang="ko-KR" dirty="0"/>
-          </a:p>
-          <a:p>
-            <a:r>
-              <a:rPr lang="en-US" altLang="ko-KR" dirty="0" smtClean="0"/>
-              <a:t>CI/CD </a:t>
-            </a:r>
-            <a:r>
-              <a:rPr lang="ko-KR" altLang="en-US" dirty="0" smtClean="0"/>
-              <a:t>구성</a:t>
-            </a:r>
-            <a:r>
-              <a:rPr lang="en-US" altLang="ko-KR" dirty="0" smtClean="0"/>
-              <a:t> </a:t>
-            </a:r>
+            <a:pPr algn="ctr"/>
+            <a:r>
+              <a:rPr lang="en-US" altLang="ko-KR" sz="1200" b="1" dirty="0"/>
+              <a:t>Reservation</a:t>
+            </a:r>
+            <a:endParaRPr lang="ko-KR" altLang="en-US" sz="2400" b="1" dirty="0"/>
+          </a:p>
+        </p:txBody>
+      </p:sp>
+      <p:sp>
+        <p:nvSpPr>
+          <p:cNvPr id="8" name="직사각형 7">
+            <a:extLst>
+              <a:ext uri="{FF2B5EF4-FFF2-40B4-BE49-F238E27FC236}">
+                <a16:creationId xmlns:a16="http://schemas.microsoft.com/office/drawing/2014/main" id="{50257CD6-F5C8-4AA7-9440-DE1D65CBCCFA}"/>
+              </a:ext>
+            </a:extLst>
+          </p:cNvPr>
+          <p:cNvSpPr/>
+          <p:nvPr/>
+        </p:nvSpPr>
+        <p:spPr>
+          <a:xfrm>
+            <a:off x="1484236" y="2198120"/>
+            <a:ext cx="914400" cy="387795"/>
+          </a:xfrm>
+          <a:prstGeom prst="rect">
+            <a:avLst/>
+          </a:prstGeom>
+          <a:solidFill>
+            <a:srgbClr val="A66BD3"/>
+          </a:solidFill>
+        </p:spPr>
+        <p:style>
+          <a:lnRef idx="2">
+            <a:schemeClr val="accent1">
+              <a:shade val="50000"/>
+            </a:schemeClr>
+          </a:lnRef>
+          <a:fillRef idx="1">
+            <a:schemeClr val="accent1"/>
+          </a:fillRef>
+          <a:effectRef idx="0">
+            <a:schemeClr val="accent1"/>
+          </a:effectRef>
+          <a:fontRef idx="minor">
+            <a:schemeClr val="lt1"/>
+          </a:fontRef>
+        </p:style>
+        <p:txBody>
+          <a:bodyPr rtlCol="0" anchor="ctr"/>
+          <a:lstStyle/>
+          <a:p>
+            <a:pPr algn="ctr"/>
+            <a:r>
+              <a:rPr lang="en-US" altLang="ko-KR" sz="1200" dirty="0"/>
+              <a:t>Kafka</a:t>
+            </a:r>
+          </a:p>
+          <a:p>
+            <a:pPr algn="ctr"/>
+            <a:r>
+              <a:rPr lang="en-US" altLang="ko-KR" sz="1200" dirty="0"/>
+              <a:t>Listener</a:t>
+            </a:r>
+            <a:endParaRPr lang="ko-KR" altLang="en-US" sz="1200" dirty="0"/>
+          </a:p>
+        </p:txBody>
+      </p:sp>
+      <p:sp>
+        <p:nvSpPr>
+          <p:cNvPr id="9" name="직사각형 8">
+            <a:extLst>
+              <a:ext uri="{FF2B5EF4-FFF2-40B4-BE49-F238E27FC236}">
+                <a16:creationId xmlns:a16="http://schemas.microsoft.com/office/drawing/2014/main" id="{E95A0382-6F73-4594-9D84-5B4DDA18D65B}"/>
+              </a:ext>
+            </a:extLst>
+          </p:cNvPr>
+          <p:cNvSpPr/>
+          <p:nvPr/>
+        </p:nvSpPr>
+        <p:spPr>
+          <a:xfrm>
+            <a:off x="3417938" y="2416780"/>
+            <a:ext cx="914400" cy="387795"/>
+          </a:xfrm>
+          <a:prstGeom prst="rect">
+            <a:avLst/>
+          </a:prstGeom>
+          <a:solidFill>
+            <a:srgbClr val="EF8B47"/>
+          </a:solidFill>
+        </p:spPr>
+        <p:style>
+          <a:lnRef idx="2">
+            <a:schemeClr val="accent1">
+              <a:shade val="50000"/>
+            </a:schemeClr>
+          </a:lnRef>
+          <a:fillRef idx="1">
+            <a:schemeClr val="accent1"/>
+          </a:fillRef>
+          <a:effectRef idx="0">
+            <a:schemeClr val="accent1"/>
+          </a:effectRef>
+          <a:fontRef idx="minor">
+            <a:schemeClr val="lt1"/>
+          </a:fontRef>
+        </p:style>
+        <p:txBody>
+          <a:bodyPr rtlCol="0" anchor="ctr"/>
+          <a:lstStyle/>
+          <a:p>
+            <a:pPr algn="ctr"/>
+            <a:r>
+              <a:rPr lang="en-US" altLang="ko-KR" sz="1200" dirty="0"/>
+              <a:t>Kafka</a:t>
+            </a:r>
+          </a:p>
+          <a:p>
+            <a:pPr algn="ctr"/>
+            <a:r>
+              <a:rPr lang="en-US" altLang="ko-KR" sz="1200" dirty="0"/>
+              <a:t>Publisher</a:t>
+            </a:r>
+            <a:endParaRPr lang="ko-KR" altLang="en-US" sz="1200" dirty="0"/>
+          </a:p>
+        </p:txBody>
+      </p:sp>
+      <p:sp>
+        <p:nvSpPr>
+          <p:cNvPr id="10" name="직사각형 9">
+            <a:extLst>
+              <a:ext uri="{FF2B5EF4-FFF2-40B4-BE49-F238E27FC236}">
+                <a16:creationId xmlns:a16="http://schemas.microsoft.com/office/drawing/2014/main" id="{20BB908D-82A1-488D-8320-9107569B982D}"/>
+              </a:ext>
+            </a:extLst>
+          </p:cNvPr>
+          <p:cNvSpPr/>
+          <p:nvPr/>
+        </p:nvSpPr>
+        <p:spPr>
+          <a:xfrm>
+            <a:off x="3437818" y="3006502"/>
+            <a:ext cx="914400" cy="387795"/>
+          </a:xfrm>
+          <a:prstGeom prst="rect">
+            <a:avLst/>
+          </a:prstGeom>
+          <a:solidFill>
+            <a:schemeClr val="accent5">
+              <a:lumMod val="75000"/>
+            </a:schemeClr>
+          </a:solidFill>
+        </p:spPr>
+        <p:style>
+          <a:lnRef idx="2">
+            <a:schemeClr val="accent1">
+              <a:shade val="50000"/>
+            </a:schemeClr>
+          </a:lnRef>
+          <a:fillRef idx="1">
+            <a:schemeClr val="accent1"/>
+          </a:fillRef>
+          <a:effectRef idx="0">
+            <a:schemeClr val="accent1"/>
+          </a:effectRef>
+          <a:fontRef idx="minor">
+            <a:schemeClr val="lt1"/>
+          </a:fontRef>
+        </p:style>
+        <p:txBody>
+          <a:bodyPr rtlCol="0" anchor="ctr"/>
+          <a:lstStyle/>
+          <a:p>
+            <a:pPr algn="ctr"/>
+            <a:r>
+              <a:rPr lang="en-US" altLang="ko-KR" sz="1200" dirty="0"/>
+              <a:t>Rest</a:t>
+            </a:r>
+          </a:p>
+          <a:p>
+            <a:pPr algn="ctr"/>
+            <a:r>
+              <a:rPr lang="en-US" altLang="ko-KR" sz="1200" dirty="0"/>
+              <a:t>Invoker</a:t>
+            </a:r>
+            <a:endParaRPr lang="ko-KR" altLang="en-US" sz="1200" dirty="0"/>
+          </a:p>
+        </p:txBody>
+      </p:sp>
+      <p:sp>
+        <p:nvSpPr>
+          <p:cNvPr id="11" name="직사각형 10">
+            <a:extLst>
+              <a:ext uri="{FF2B5EF4-FFF2-40B4-BE49-F238E27FC236}">
+                <a16:creationId xmlns:a16="http://schemas.microsoft.com/office/drawing/2014/main" id="{D333A304-AF84-45D4-9D5C-6BE148667096}"/>
+              </a:ext>
+            </a:extLst>
+          </p:cNvPr>
+          <p:cNvSpPr/>
+          <p:nvPr/>
+        </p:nvSpPr>
+        <p:spPr>
+          <a:xfrm>
+            <a:off x="2597759" y="3551460"/>
+            <a:ext cx="516155" cy="218900"/>
+          </a:xfrm>
+          <a:prstGeom prst="rect">
+            <a:avLst/>
+          </a:prstGeom>
+          <a:solidFill>
+            <a:schemeClr val="tx1"/>
+          </a:solidFill>
+        </p:spPr>
+        <p:style>
+          <a:lnRef idx="2">
+            <a:schemeClr val="accent1">
+              <a:shade val="50000"/>
+            </a:schemeClr>
+          </a:lnRef>
+          <a:fillRef idx="1">
+            <a:schemeClr val="accent1"/>
+          </a:fillRef>
+          <a:effectRef idx="0">
+            <a:schemeClr val="accent1"/>
+          </a:effectRef>
+          <a:fontRef idx="minor">
+            <a:schemeClr val="lt1"/>
+          </a:fontRef>
+        </p:style>
+        <p:txBody>
+          <a:bodyPr rtlCol="0" anchor="ctr"/>
+          <a:lstStyle/>
+          <a:p>
+            <a:pPr algn="ctr"/>
+            <a:r>
+              <a:rPr lang="en-US" altLang="ko-KR" sz="1200" dirty="0">
+                <a:solidFill>
+                  <a:schemeClr val="bg1"/>
+                </a:solidFill>
+                <a:highlight>
+                  <a:srgbClr val="000000"/>
+                </a:highlight>
+              </a:rPr>
+              <a:t>JPA</a:t>
+            </a:r>
+            <a:endParaRPr lang="ko-KR" altLang="en-US" sz="1200" dirty="0">
+              <a:solidFill>
+                <a:schemeClr val="bg1"/>
+              </a:solidFill>
+              <a:highlight>
+                <a:srgbClr val="000000"/>
+              </a:highlight>
+            </a:endParaRPr>
+          </a:p>
+        </p:txBody>
+      </p:sp>
+      <p:cxnSp>
+        <p:nvCxnSpPr>
+          <p:cNvPr id="13" name="직선 화살표 연결선 12">
+            <a:extLst>
+              <a:ext uri="{FF2B5EF4-FFF2-40B4-BE49-F238E27FC236}">
+                <a16:creationId xmlns:a16="http://schemas.microsoft.com/office/drawing/2014/main" id="{218EF203-0B1A-44CC-957A-D66B5B00C7F3}"/>
+              </a:ext>
+            </a:extLst>
+          </p:cNvPr>
+          <p:cNvCxnSpPr>
+            <a:cxnSpLocks/>
+            <a:stCxn id="11" idx="2"/>
+          </p:cNvCxnSpPr>
+          <p:nvPr/>
+        </p:nvCxnSpPr>
+        <p:spPr>
+          <a:xfrm flipH="1">
+            <a:off x="2855836" y="3770360"/>
+            <a:ext cx="1" cy="409885"/>
+          </a:xfrm>
+          <a:prstGeom prst="straightConnector1">
+            <a:avLst/>
+          </a:prstGeom>
+          <a:ln w="50800">
+            <a:solidFill>
+              <a:schemeClr val="tx1"/>
+            </a:solidFill>
+            <a:tailEnd type="triangle"/>
+          </a:ln>
+        </p:spPr>
+        <p:style>
+          <a:lnRef idx="1">
+            <a:schemeClr val="accent1"/>
+          </a:lnRef>
+          <a:fillRef idx="0">
+            <a:schemeClr val="accent1"/>
+          </a:fillRef>
+          <a:effectRef idx="0">
+            <a:schemeClr val="accent1"/>
+          </a:effectRef>
+          <a:fontRef idx="minor">
+            <a:schemeClr val="tx1"/>
+          </a:fontRef>
+        </p:style>
+      </p:cxnSp>
+      <p:cxnSp>
+        <p:nvCxnSpPr>
+          <p:cNvPr id="14" name="직선 화살표 연결선 13">
+            <a:extLst>
+              <a:ext uri="{FF2B5EF4-FFF2-40B4-BE49-F238E27FC236}">
+                <a16:creationId xmlns:a16="http://schemas.microsoft.com/office/drawing/2014/main" id="{719BEA20-E5AD-4D5E-99E6-DD02F9A4C1B2}"/>
+              </a:ext>
+            </a:extLst>
+          </p:cNvPr>
+          <p:cNvCxnSpPr>
+            <a:cxnSpLocks/>
+            <a:endCxn id="8" idx="0"/>
+          </p:cNvCxnSpPr>
+          <p:nvPr/>
+        </p:nvCxnSpPr>
+        <p:spPr>
+          <a:xfrm>
+            <a:off x="1941436" y="1329070"/>
+            <a:ext cx="0" cy="869050"/>
+          </a:xfrm>
+          <a:prstGeom prst="straightConnector1">
+            <a:avLst/>
+          </a:prstGeom>
+          <a:ln w="50800">
+            <a:solidFill>
+              <a:schemeClr val="tx1"/>
+            </a:solidFill>
+            <a:prstDash val="sysDash"/>
+            <a:tailEnd type="triangle"/>
+          </a:ln>
+        </p:spPr>
+        <p:style>
+          <a:lnRef idx="1">
+            <a:schemeClr val="accent1"/>
+          </a:lnRef>
+          <a:fillRef idx="0">
+            <a:schemeClr val="accent1"/>
+          </a:fillRef>
+          <a:effectRef idx="0">
+            <a:schemeClr val="accent1"/>
+          </a:effectRef>
+          <a:fontRef idx="minor">
+            <a:schemeClr val="tx1"/>
+          </a:fontRef>
+        </p:style>
+      </p:cxnSp>
+      <p:sp>
+        <p:nvSpPr>
+          <p:cNvPr id="15" name="육각형 14">
+            <a:extLst>
+              <a:ext uri="{FF2B5EF4-FFF2-40B4-BE49-F238E27FC236}">
+                <a16:creationId xmlns:a16="http://schemas.microsoft.com/office/drawing/2014/main" id="{B7C899DF-E4D9-4F9E-817E-9161B4D15B64}"/>
+              </a:ext>
+            </a:extLst>
+          </p:cNvPr>
+          <p:cNvSpPr/>
+          <p:nvPr/>
+        </p:nvSpPr>
+        <p:spPr>
+          <a:xfrm>
+            <a:off x="5368132" y="2236302"/>
+            <a:ext cx="1531156" cy="1417709"/>
+          </a:xfrm>
+          <a:prstGeom prst="hexagon">
+            <a:avLst/>
+          </a:prstGeom>
+          <a:solidFill>
+            <a:schemeClr val="accent6"/>
+          </a:solidFill>
+        </p:spPr>
+        <p:style>
+          <a:lnRef idx="2">
+            <a:schemeClr val="accent1">
+              <a:shade val="50000"/>
+            </a:schemeClr>
+          </a:lnRef>
+          <a:fillRef idx="1">
+            <a:schemeClr val="accent1"/>
+          </a:fillRef>
+          <a:effectRef idx="0">
+            <a:schemeClr val="accent1"/>
+          </a:effectRef>
+          <a:fontRef idx="minor">
+            <a:schemeClr val="lt1"/>
+          </a:fontRef>
+        </p:style>
+        <p:txBody>
+          <a:bodyPr rtlCol="0" anchor="ctr"/>
+          <a:lstStyle/>
+          <a:p>
+            <a:pPr algn="ctr"/>
+            <a:endParaRPr lang="ko-KR" altLang="en-US" dirty="0"/>
+          </a:p>
+        </p:txBody>
+      </p:sp>
+      <p:sp>
+        <p:nvSpPr>
+          <p:cNvPr id="16" name="육각형 15">
+            <a:extLst>
+              <a:ext uri="{FF2B5EF4-FFF2-40B4-BE49-F238E27FC236}">
+                <a16:creationId xmlns:a16="http://schemas.microsoft.com/office/drawing/2014/main" id="{CE8312C8-0EC1-41E9-A3F0-2FECA32499D5}"/>
+              </a:ext>
+            </a:extLst>
+          </p:cNvPr>
+          <p:cNvSpPr/>
+          <p:nvPr/>
+        </p:nvSpPr>
+        <p:spPr>
+          <a:xfrm>
+            <a:off x="5603358" y="2451650"/>
+            <a:ext cx="1060704" cy="963763"/>
+          </a:xfrm>
+          <a:prstGeom prst="hexagon">
+            <a:avLst/>
+          </a:prstGeom>
+          <a:solidFill>
+            <a:srgbClr val="FFFF00"/>
+          </a:solidFill>
+        </p:spPr>
+        <p:style>
+          <a:lnRef idx="2">
+            <a:schemeClr val="accent1">
+              <a:shade val="50000"/>
+            </a:schemeClr>
+          </a:lnRef>
+          <a:fillRef idx="1">
+            <a:schemeClr val="accent1"/>
+          </a:fillRef>
+          <a:effectRef idx="0">
+            <a:schemeClr val="accent1"/>
+          </a:effectRef>
+          <a:fontRef idx="minor">
+            <a:schemeClr val="lt1"/>
+          </a:fontRef>
+        </p:style>
+        <p:txBody>
+          <a:bodyPr rtlCol="0" anchor="ctr"/>
+          <a:lstStyle/>
+          <a:p>
+            <a:pPr algn="ctr"/>
+            <a:endParaRPr lang="ko-KR" altLang="en-US" dirty="0"/>
+          </a:p>
+        </p:txBody>
+      </p:sp>
+      <p:sp>
+        <p:nvSpPr>
+          <p:cNvPr id="17" name="TextBox 16">
+            <a:extLst>
+              <a:ext uri="{FF2B5EF4-FFF2-40B4-BE49-F238E27FC236}">
+                <a16:creationId xmlns:a16="http://schemas.microsoft.com/office/drawing/2014/main" id="{7DCF1802-BDE8-4435-BD67-465A2A5DFFB4}"/>
+              </a:ext>
+            </a:extLst>
+          </p:cNvPr>
+          <p:cNvSpPr txBox="1"/>
+          <p:nvPr/>
+        </p:nvSpPr>
+        <p:spPr>
+          <a:xfrm>
+            <a:off x="5601703" y="2809459"/>
+            <a:ext cx="1060704" cy="276999"/>
+          </a:xfrm>
+          <a:prstGeom prst="rect">
+            <a:avLst/>
+          </a:prstGeom>
+          <a:noFill/>
+        </p:spPr>
+        <p:txBody>
+          <a:bodyPr wrap="square" rtlCol="0">
+            <a:spAutoFit/>
+          </a:bodyPr>
+          <a:lstStyle/>
+          <a:p>
+            <a:pPr algn="ctr"/>
+            <a:r>
+              <a:rPr lang="en-US" altLang="ko-KR" sz="1200" b="1" dirty="0"/>
+              <a:t>Pay</a:t>
+            </a:r>
+            <a:endParaRPr lang="ko-KR" altLang="en-US" sz="2400" b="1" dirty="0"/>
+          </a:p>
+        </p:txBody>
+      </p:sp>
+      <p:sp>
+        <p:nvSpPr>
+          <p:cNvPr id="18" name="직사각형 17">
+            <a:extLst>
+              <a:ext uri="{FF2B5EF4-FFF2-40B4-BE49-F238E27FC236}">
+                <a16:creationId xmlns:a16="http://schemas.microsoft.com/office/drawing/2014/main" id="{E4422FC6-517B-4B6A-B7A1-FCB703ACDA0B}"/>
+              </a:ext>
+            </a:extLst>
+          </p:cNvPr>
+          <p:cNvSpPr/>
+          <p:nvPr/>
+        </p:nvSpPr>
+        <p:spPr>
+          <a:xfrm>
+            <a:off x="5895236" y="3551460"/>
+            <a:ext cx="516155" cy="218900"/>
+          </a:xfrm>
+          <a:prstGeom prst="rect">
+            <a:avLst/>
+          </a:prstGeom>
+          <a:solidFill>
+            <a:schemeClr val="tx1"/>
+          </a:solidFill>
+        </p:spPr>
+        <p:style>
+          <a:lnRef idx="2">
+            <a:schemeClr val="accent1">
+              <a:shade val="50000"/>
+            </a:schemeClr>
+          </a:lnRef>
+          <a:fillRef idx="1">
+            <a:schemeClr val="accent1"/>
+          </a:fillRef>
+          <a:effectRef idx="0">
+            <a:schemeClr val="accent1"/>
+          </a:effectRef>
+          <a:fontRef idx="minor">
+            <a:schemeClr val="lt1"/>
+          </a:fontRef>
+        </p:style>
+        <p:txBody>
+          <a:bodyPr rtlCol="0" anchor="ctr"/>
+          <a:lstStyle/>
+          <a:p>
+            <a:pPr algn="ctr"/>
+            <a:r>
+              <a:rPr lang="en-US" altLang="ko-KR" sz="1200" dirty="0">
+                <a:solidFill>
+                  <a:schemeClr val="bg1"/>
+                </a:solidFill>
+                <a:highlight>
+                  <a:srgbClr val="000000"/>
+                </a:highlight>
+              </a:rPr>
+              <a:t>JPA</a:t>
+            </a:r>
+            <a:endParaRPr lang="ko-KR" altLang="en-US" sz="1200" dirty="0">
+              <a:solidFill>
+                <a:schemeClr val="bg1"/>
+              </a:solidFill>
+              <a:highlight>
+                <a:srgbClr val="000000"/>
+              </a:highlight>
+            </a:endParaRPr>
+          </a:p>
+        </p:txBody>
+      </p:sp>
+      <p:cxnSp>
+        <p:nvCxnSpPr>
+          <p:cNvPr id="20" name="직선 화살표 연결선 19">
+            <a:extLst>
+              <a:ext uri="{FF2B5EF4-FFF2-40B4-BE49-F238E27FC236}">
+                <a16:creationId xmlns:a16="http://schemas.microsoft.com/office/drawing/2014/main" id="{C728300F-3E05-4CEE-8171-5ADB1C7049C3}"/>
+              </a:ext>
+            </a:extLst>
+          </p:cNvPr>
+          <p:cNvCxnSpPr>
+            <a:cxnSpLocks/>
+            <a:stCxn id="18" idx="2"/>
+          </p:cNvCxnSpPr>
+          <p:nvPr/>
+        </p:nvCxnSpPr>
+        <p:spPr>
+          <a:xfrm flipH="1">
+            <a:off x="6153313" y="3770360"/>
+            <a:ext cx="1" cy="409885"/>
+          </a:xfrm>
+          <a:prstGeom prst="straightConnector1">
+            <a:avLst/>
+          </a:prstGeom>
+          <a:ln w="50800">
+            <a:solidFill>
+              <a:schemeClr val="tx1"/>
+            </a:solidFill>
+            <a:tailEnd type="triangle"/>
+          </a:ln>
+        </p:spPr>
+        <p:style>
+          <a:lnRef idx="1">
+            <a:schemeClr val="accent1"/>
+          </a:lnRef>
+          <a:fillRef idx="0">
+            <a:schemeClr val="accent1"/>
+          </a:fillRef>
+          <a:effectRef idx="0">
+            <a:schemeClr val="accent1"/>
+          </a:effectRef>
+          <a:fontRef idx="minor">
+            <a:schemeClr val="tx1"/>
+          </a:fontRef>
+        </p:style>
+      </p:cxnSp>
+      <p:sp>
+        <p:nvSpPr>
+          <p:cNvPr id="21" name="직사각형 20">
+            <a:extLst>
+              <a:ext uri="{FF2B5EF4-FFF2-40B4-BE49-F238E27FC236}">
+                <a16:creationId xmlns:a16="http://schemas.microsoft.com/office/drawing/2014/main" id="{8592F3ED-684C-4BA7-B139-C3588BCA8E7D}"/>
+              </a:ext>
+            </a:extLst>
+          </p:cNvPr>
+          <p:cNvSpPr/>
+          <p:nvPr/>
+        </p:nvSpPr>
+        <p:spPr>
+          <a:xfrm>
+            <a:off x="4891052" y="2105402"/>
+            <a:ext cx="914400" cy="387795"/>
+          </a:xfrm>
+          <a:prstGeom prst="rect">
+            <a:avLst/>
+          </a:prstGeom>
+          <a:solidFill>
+            <a:schemeClr val="accent5">
+              <a:lumMod val="75000"/>
+            </a:schemeClr>
+          </a:solidFill>
+        </p:spPr>
+        <p:style>
+          <a:lnRef idx="2">
+            <a:schemeClr val="accent1">
+              <a:shade val="50000"/>
+            </a:schemeClr>
+          </a:lnRef>
+          <a:fillRef idx="1">
+            <a:schemeClr val="accent1"/>
+          </a:fillRef>
+          <a:effectRef idx="0">
+            <a:schemeClr val="accent1"/>
+          </a:effectRef>
+          <a:fontRef idx="minor">
+            <a:schemeClr val="lt1"/>
+          </a:fontRef>
+        </p:style>
+        <p:txBody>
+          <a:bodyPr rtlCol="0" anchor="ctr"/>
+          <a:lstStyle/>
+          <a:p>
+            <a:pPr algn="ctr"/>
+            <a:r>
+              <a:rPr lang="en-US" altLang="ko-KR" sz="1200" dirty="0"/>
+              <a:t>Rest</a:t>
+            </a:r>
+          </a:p>
+          <a:p>
+            <a:pPr algn="ctr"/>
+            <a:r>
+              <a:rPr lang="en-US" altLang="ko-KR" sz="1200" dirty="0"/>
+              <a:t>Adapter</a:t>
+            </a:r>
+            <a:endParaRPr lang="ko-KR" altLang="en-US" sz="1200" dirty="0"/>
+          </a:p>
+        </p:txBody>
+      </p:sp>
+      <p:cxnSp>
+        <p:nvCxnSpPr>
+          <p:cNvPr id="22" name="직선 화살표 연결선 41">
+            <a:extLst>
+              <a:ext uri="{FF2B5EF4-FFF2-40B4-BE49-F238E27FC236}">
+                <a16:creationId xmlns:a16="http://schemas.microsoft.com/office/drawing/2014/main" id="{FC4E01EA-C5E7-43D0-8A45-B33BB20E0D85}"/>
+              </a:ext>
+            </a:extLst>
+          </p:cNvPr>
+          <p:cNvCxnSpPr>
+            <a:cxnSpLocks/>
+            <a:stCxn id="10" idx="3"/>
+            <a:endCxn id="21" idx="1"/>
+          </p:cNvCxnSpPr>
+          <p:nvPr/>
+        </p:nvCxnSpPr>
+        <p:spPr>
+          <a:xfrm flipV="1">
+            <a:off x="4352218" y="2299300"/>
+            <a:ext cx="538834" cy="901100"/>
+          </a:xfrm>
+          <a:prstGeom prst="bentConnector3">
+            <a:avLst>
+              <a:gd name="adj1" fmla="val 50000"/>
+            </a:avLst>
+          </a:prstGeom>
+          <a:ln w="50800">
+            <a:solidFill>
+              <a:schemeClr val="tx1"/>
+            </a:solidFill>
+            <a:tailEnd type="triangle"/>
+          </a:ln>
+        </p:spPr>
+        <p:style>
+          <a:lnRef idx="1">
+            <a:schemeClr val="accent1"/>
+          </a:lnRef>
+          <a:fillRef idx="0">
+            <a:schemeClr val="accent1"/>
+          </a:fillRef>
+          <a:effectRef idx="0">
+            <a:schemeClr val="accent1"/>
+          </a:effectRef>
+          <a:fontRef idx="minor">
+            <a:schemeClr val="tx1"/>
+          </a:fontRef>
+        </p:style>
+      </p:cxnSp>
+      <p:cxnSp>
+        <p:nvCxnSpPr>
+          <p:cNvPr id="23" name="직선 화살표 연결선 22">
+            <a:extLst>
+              <a:ext uri="{FF2B5EF4-FFF2-40B4-BE49-F238E27FC236}">
+                <a16:creationId xmlns:a16="http://schemas.microsoft.com/office/drawing/2014/main" id="{FF80FAFB-905D-4C8A-8B7F-462C9565BBA0}"/>
+              </a:ext>
+            </a:extLst>
+          </p:cNvPr>
+          <p:cNvCxnSpPr>
+            <a:cxnSpLocks/>
+            <a:stCxn id="9" idx="0"/>
+          </p:cNvCxnSpPr>
+          <p:nvPr/>
+        </p:nvCxnSpPr>
+        <p:spPr>
+          <a:xfrm flipH="1" flipV="1">
+            <a:off x="3870992" y="1326274"/>
+            <a:ext cx="4146" cy="1090506"/>
+          </a:xfrm>
+          <a:prstGeom prst="straightConnector1">
+            <a:avLst/>
+          </a:prstGeom>
+          <a:ln w="50800">
+            <a:solidFill>
+              <a:schemeClr val="tx1"/>
+            </a:solidFill>
+            <a:prstDash val="sysDash"/>
+            <a:tailEnd type="triangle"/>
+          </a:ln>
+        </p:spPr>
+        <p:style>
+          <a:lnRef idx="1">
+            <a:schemeClr val="accent1"/>
+          </a:lnRef>
+          <a:fillRef idx="0">
+            <a:schemeClr val="accent1"/>
+          </a:fillRef>
+          <a:effectRef idx="0">
+            <a:schemeClr val="accent1"/>
+          </a:effectRef>
+          <a:fontRef idx="minor">
+            <a:schemeClr val="tx1"/>
+          </a:fontRef>
+        </p:style>
+      </p:cxnSp>
+      <p:sp>
+        <p:nvSpPr>
+          <p:cNvPr id="24" name="직사각형 23">
+            <a:extLst>
+              <a:ext uri="{FF2B5EF4-FFF2-40B4-BE49-F238E27FC236}">
+                <a16:creationId xmlns:a16="http://schemas.microsoft.com/office/drawing/2014/main" id="{E3CFFEAB-BCF8-411B-B2D7-197796AF4300}"/>
+              </a:ext>
+            </a:extLst>
+          </p:cNvPr>
+          <p:cNvSpPr/>
+          <p:nvPr/>
+        </p:nvSpPr>
+        <p:spPr>
+          <a:xfrm>
+            <a:off x="6791332" y="2416780"/>
+            <a:ext cx="914400" cy="387795"/>
+          </a:xfrm>
+          <a:prstGeom prst="rect">
+            <a:avLst/>
+          </a:prstGeom>
+          <a:solidFill>
+            <a:srgbClr val="EF8B47"/>
+          </a:solidFill>
+        </p:spPr>
+        <p:style>
+          <a:lnRef idx="2">
+            <a:schemeClr val="accent1">
+              <a:shade val="50000"/>
+            </a:schemeClr>
+          </a:lnRef>
+          <a:fillRef idx="1">
+            <a:schemeClr val="accent1"/>
+          </a:fillRef>
+          <a:effectRef idx="0">
+            <a:schemeClr val="accent1"/>
+          </a:effectRef>
+          <a:fontRef idx="minor">
+            <a:schemeClr val="lt1"/>
+          </a:fontRef>
+        </p:style>
+        <p:txBody>
+          <a:bodyPr rtlCol="0" anchor="ctr"/>
+          <a:lstStyle/>
+          <a:p>
+            <a:pPr algn="ctr"/>
+            <a:r>
+              <a:rPr lang="en-US" altLang="ko-KR" sz="1200" dirty="0"/>
+              <a:t>Kafka</a:t>
+            </a:r>
+          </a:p>
+          <a:p>
+            <a:pPr algn="ctr"/>
+            <a:r>
+              <a:rPr lang="en-US" altLang="ko-KR" sz="1200" dirty="0"/>
+              <a:t>Publisher</a:t>
+            </a:r>
+            <a:endParaRPr lang="ko-KR" altLang="en-US" sz="1200" dirty="0"/>
+          </a:p>
+        </p:txBody>
+      </p:sp>
+      <p:cxnSp>
+        <p:nvCxnSpPr>
+          <p:cNvPr id="25" name="직선 화살표 연결선 24">
+            <a:extLst>
+              <a:ext uri="{FF2B5EF4-FFF2-40B4-BE49-F238E27FC236}">
+                <a16:creationId xmlns:a16="http://schemas.microsoft.com/office/drawing/2014/main" id="{C9D24082-3E9A-4EDD-8464-0F4B7CB05AEC}"/>
+              </a:ext>
+            </a:extLst>
+          </p:cNvPr>
+          <p:cNvCxnSpPr>
+            <a:cxnSpLocks/>
+            <a:stCxn id="24" idx="0"/>
+          </p:cNvCxnSpPr>
+          <p:nvPr/>
+        </p:nvCxnSpPr>
+        <p:spPr>
+          <a:xfrm flipH="1" flipV="1">
+            <a:off x="7244386" y="1326274"/>
+            <a:ext cx="4146" cy="1090506"/>
+          </a:xfrm>
+          <a:prstGeom prst="straightConnector1">
+            <a:avLst/>
+          </a:prstGeom>
+          <a:ln w="50800">
+            <a:solidFill>
+              <a:schemeClr val="tx1"/>
+            </a:solidFill>
+            <a:prstDash val="sysDash"/>
+            <a:tailEnd type="triangle"/>
+          </a:ln>
+        </p:spPr>
+        <p:style>
+          <a:lnRef idx="1">
+            <a:schemeClr val="accent1"/>
+          </a:lnRef>
+          <a:fillRef idx="0">
+            <a:schemeClr val="accent1"/>
+          </a:fillRef>
+          <a:effectRef idx="0">
+            <a:schemeClr val="accent1"/>
+          </a:effectRef>
+          <a:fontRef idx="minor">
+            <a:schemeClr val="tx1"/>
+          </a:fontRef>
+        </p:style>
+      </p:cxnSp>
+      <p:sp>
+        <p:nvSpPr>
+          <p:cNvPr id="26" name="육각형 25">
+            <a:extLst>
+              <a:ext uri="{FF2B5EF4-FFF2-40B4-BE49-F238E27FC236}">
+                <a16:creationId xmlns:a16="http://schemas.microsoft.com/office/drawing/2014/main" id="{685DCD8B-D6A2-43B9-9974-500AF9BBD615}"/>
+              </a:ext>
+            </a:extLst>
+          </p:cNvPr>
+          <p:cNvSpPr/>
+          <p:nvPr/>
+        </p:nvSpPr>
+        <p:spPr>
+          <a:xfrm>
+            <a:off x="8581703" y="2198120"/>
+            <a:ext cx="1531156" cy="1417709"/>
+          </a:xfrm>
+          <a:prstGeom prst="hexagon">
+            <a:avLst/>
+          </a:prstGeom>
+          <a:solidFill>
+            <a:schemeClr val="accent6"/>
+          </a:solidFill>
+        </p:spPr>
+        <p:style>
+          <a:lnRef idx="2">
+            <a:schemeClr val="accent1">
+              <a:shade val="50000"/>
+            </a:schemeClr>
+          </a:lnRef>
+          <a:fillRef idx="1">
+            <a:schemeClr val="accent1"/>
+          </a:fillRef>
+          <a:effectRef idx="0">
+            <a:schemeClr val="accent1"/>
+          </a:effectRef>
+          <a:fontRef idx="minor">
+            <a:schemeClr val="lt1"/>
+          </a:fontRef>
+        </p:style>
+        <p:txBody>
+          <a:bodyPr rtlCol="0" anchor="ctr"/>
+          <a:lstStyle/>
+          <a:p>
+            <a:pPr algn="ctr"/>
+            <a:endParaRPr lang="ko-KR" altLang="en-US" dirty="0"/>
+          </a:p>
+        </p:txBody>
+      </p:sp>
+      <p:sp>
+        <p:nvSpPr>
+          <p:cNvPr id="27" name="육각형 26">
+            <a:extLst>
+              <a:ext uri="{FF2B5EF4-FFF2-40B4-BE49-F238E27FC236}">
+                <a16:creationId xmlns:a16="http://schemas.microsoft.com/office/drawing/2014/main" id="{CDF42FD9-1F92-4B5F-838A-FACD3BEC1EC9}"/>
+              </a:ext>
+            </a:extLst>
+          </p:cNvPr>
+          <p:cNvSpPr/>
+          <p:nvPr/>
+        </p:nvSpPr>
+        <p:spPr>
+          <a:xfrm>
+            <a:off x="8816929" y="2413468"/>
+            <a:ext cx="1060704" cy="963763"/>
+          </a:xfrm>
+          <a:prstGeom prst="hexagon">
+            <a:avLst/>
+          </a:prstGeom>
+          <a:solidFill>
+            <a:srgbClr val="FFFF00"/>
+          </a:solidFill>
+        </p:spPr>
+        <p:style>
+          <a:lnRef idx="2">
+            <a:schemeClr val="accent1">
+              <a:shade val="50000"/>
+            </a:schemeClr>
+          </a:lnRef>
+          <a:fillRef idx="1">
+            <a:schemeClr val="accent1"/>
+          </a:fillRef>
+          <a:effectRef idx="0">
+            <a:schemeClr val="accent1"/>
+          </a:effectRef>
+          <a:fontRef idx="minor">
+            <a:schemeClr val="lt1"/>
+          </a:fontRef>
+        </p:style>
+        <p:txBody>
+          <a:bodyPr rtlCol="0" anchor="ctr"/>
+          <a:lstStyle/>
+          <a:p>
+            <a:pPr algn="ctr"/>
+            <a:endParaRPr lang="ko-KR" altLang="en-US" dirty="0"/>
+          </a:p>
+        </p:txBody>
+      </p:sp>
+      <p:sp>
+        <p:nvSpPr>
+          <p:cNvPr id="28" name="TextBox 27">
+            <a:extLst>
+              <a:ext uri="{FF2B5EF4-FFF2-40B4-BE49-F238E27FC236}">
+                <a16:creationId xmlns:a16="http://schemas.microsoft.com/office/drawing/2014/main" id="{DA8EC5A1-A06F-4588-9BE5-07B5422678C1}"/>
+              </a:ext>
+            </a:extLst>
+          </p:cNvPr>
+          <p:cNvSpPr txBox="1"/>
+          <p:nvPr/>
+        </p:nvSpPr>
+        <p:spPr>
+          <a:xfrm>
+            <a:off x="8815274" y="2771277"/>
+            <a:ext cx="1060704" cy="276999"/>
+          </a:xfrm>
+          <a:prstGeom prst="rect">
+            <a:avLst/>
+          </a:prstGeom>
+          <a:noFill/>
+        </p:spPr>
+        <p:txBody>
+          <a:bodyPr wrap="square" rtlCol="0">
+            <a:spAutoFit/>
+          </a:bodyPr>
+          <a:lstStyle/>
+          <a:p>
+            <a:pPr algn="ctr"/>
+            <a:r>
+              <a:rPr lang="en-US" altLang="ko-KR" sz="1200" b="1" dirty="0" err="1"/>
+              <a:t>Katalk</a:t>
+            </a:r>
+            <a:endParaRPr lang="ko-KR" altLang="en-US" sz="2400" b="1" dirty="0"/>
+          </a:p>
+        </p:txBody>
+      </p:sp>
+      <p:sp>
+        <p:nvSpPr>
+          <p:cNvPr id="29" name="직사각형 28">
+            <a:extLst>
+              <a:ext uri="{FF2B5EF4-FFF2-40B4-BE49-F238E27FC236}">
+                <a16:creationId xmlns:a16="http://schemas.microsoft.com/office/drawing/2014/main" id="{CDF14957-3D2D-44BA-9D01-6AEBDA813DB9}"/>
+              </a:ext>
+            </a:extLst>
+          </p:cNvPr>
+          <p:cNvSpPr/>
+          <p:nvPr/>
+        </p:nvSpPr>
+        <p:spPr>
+          <a:xfrm>
+            <a:off x="7915202" y="2206485"/>
+            <a:ext cx="914400" cy="387795"/>
+          </a:xfrm>
+          <a:prstGeom prst="rect">
+            <a:avLst/>
+          </a:prstGeom>
+          <a:solidFill>
+            <a:srgbClr val="A66BD3"/>
+          </a:solidFill>
+        </p:spPr>
+        <p:style>
+          <a:lnRef idx="2">
+            <a:schemeClr val="accent1">
+              <a:shade val="50000"/>
+            </a:schemeClr>
+          </a:lnRef>
+          <a:fillRef idx="1">
+            <a:schemeClr val="accent1"/>
+          </a:fillRef>
+          <a:effectRef idx="0">
+            <a:schemeClr val="accent1"/>
+          </a:effectRef>
+          <a:fontRef idx="minor">
+            <a:schemeClr val="lt1"/>
+          </a:fontRef>
+        </p:style>
+        <p:txBody>
+          <a:bodyPr rtlCol="0" anchor="ctr"/>
+          <a:lstStyle/>
+          <a:p>
+            <a:pPr algn="ctr"/>
+            <a:r>
+              <a:rPr lang="en-US" altLang="ko-KR" sz="1200" dirty="0"/>
+              <a:t>Kafka</a:t>
+            </a:r>
+          </a:p>
+          <a:p>
+            <a:pPr algn="ctr"/>
+            <a:r>
+              <a:rPr lang="en-US" altLang="ko-KR" sz="1200" dirty="0"/>
+              <a:t>Listener</a:t>
+            </a:r>
+            <a:endParaRPr lang="ko-KR" altLang="en-US" sz="1200" dirty="0"/>
+          </a:p>
+        </p:txBody>
+      </p:sp>
+      <p:cxnSp>
+        <p:nvCxnSpPr>
+          <p:cNvPr id="30" name="직선 화살표 연결선 29">
+            <a:extLst>
+              <a:ext uri="{FF2B5EF4-FFF2-40B4-BE49-F238E27FC236}">
+                <a16:creationId xmlns:a16="http://schemas.microsoft.com/office/drawing/2014/main" id="{46200BEE-B803-4655-977E-C6881BD55F43}"/>
+              </a:ext>
+            </a:extLst>
+          </p:cNvPr>
+          <p:cNvCxnSpPr>
+            <a:cxnSpLocks/>
+            <a:endCxn id="29" idx="0"/>
+          </p:cNvCxnSpPr>
+          <p:nvPr/>
+        </p:nvCxnSpPr>
+        <p:spPr>
+          <a:xfrm>
+            <a:off x="8372402" y="1337435"/>
+            <a:ext cx="0" cy="869050"/>
+          </a:xfrm>
+          <a:prstGeom prst="straightConnector1">
+            <a:avLst/>
+          </a:prstGeom>
+          <a:ln w="50800">
+            <a:solidFill>
+              <a:schemeClr val="tx1"/>
+            </a:solidFill>
+            <a:prstDash val="sysDash"/>
+            <a:tailEnd type="triangle"/>
+          </a:ln>
+        </p:spPr>
+        <p:style>
+          <a:lnRef idx="1">
+            <a:schemeClr val="accent1"/>
+          </a:lnRef>
+          <a:fillRef idx="0">
+            <a:schemeClr val="accent1"/>
+          </a:fillRef>
+          <a:effectRef idx="0">
+            <a:schemeClr val="accent1"/>
+          </a:effectRef>
+          <a:fontRef idx="minor">
+            <a:schemeClr val="tx1"/>
+          </a:fontRef>
+        </p:style>
+      </p:cxnSp>
+      <p:sp>
+        <p:nvSpPr>
+          <p:cNvPr id="31" name="순서도: 자기 디스크 30">
+            <a:extLst>
+              <a:ext uri="{FF2B5EF4-FFF2-40B4-BE49-F238E27FC236}">
+                <a16:creationId xmlns:a16="http://schemas.microsoft.com/office/drawing/2014/main" id="{8B8B2DEC-7505-4677-8231-4CC2F8E5D9E2}"/>
+              </a:ext>
+            </a:extLst>
+          </p:cNvPr>
+          <p:cNvSpPr/>
+          <p:nvPr/>
+        </p:nvSpPr>
+        <p:spPr>
+          <a:xfrm>
+            <a:off x="2216215" y="4198646"/>
+            <a:ext cx="1279242" cy="612648"/>
+          </a:xfrm>
+          <a:prstGeom prst="flowChartMagneticDisk">
+            <a:avLst/>
+          </a:prstGeom>
+        </p:spPr>
+        <p:style>
+          <a:lnRef idx="2">
+            <a:schemeClr val="accent1">
+              <a:shade val="50000"/>
+            </a:schemeClr>
+          </a:lnRef>
+          <a:fillRef idx="1">
+            <a:schemeClr val="accent1"/>
+          </a:fillRef>
+          <a:effectRef idx="0">
+            <a:schemeClr val="accent1"/>
+          </a:effectRef>
+          <a:fontRef idx="minor">
+            <a:schemeClr val="lt1"/>
+          </a:fontRef>
+        </p:style>
+        <p:txBody>
+          <a:bodyPr rtlCol="0" anchor="ctr"/>
+          <a:lstStyle/>
+          <a:p>
+            <a:pPr algn="ctr"/>
+            <a:r>
+              <a:rPr lang="en-US" altLang="ko-KR" sz="1300" b="1" dirty="0"/>
+              <a:t>H2</a:t>
+            </a:r>
+            <a:endParaRPr lang="ko-KR" altLang="en-US" sz="1300" b="1" dirty="0"/>
+          </a:p>
+        </p:txBody>
+      </p:sp>
+      <p:sp>
+        <p:nvSpPr>
+          <p:cNvPr id="34" name="순서도: 자기 디스크 33">
+            <a:extLst>
+              <a:ext uri="{FF2B5EF4-FFF2-40B4-BE49-F238E27FC236}">
+                <a16:creationId xmlns:a16="http://schemas.microsoft.com/office/drawing/2014/main" id="{09A90919-D9A2-4334-A81F-3C512F83E89D}"/>
+              </a:ext>
+            </a:extLst>
+          </p:cNvPr>
+          <p:cNvSpPr/>
+          <p:nvPr/>
+        </p:nvSpPr>
+        <p:spPr>
+          <a:xfrm>
+            <a:off x="5594730" y="4198646"/>
+            <a:ext cx="1279242" cy="612648"/>
+          </a:xfrm>
+          <a:prstGeom prst="flowChartMagneticDisk">
+            <a:avLst/>
+          </a:prstGeom>
+        </p:spPr>
+        <p:style>
+          <a:lnRef idx="2">
+            <a:schemeClr val="accent1">
+              <a:shade val="50000"/>
+            </a:schemeClr>
+          </a:lnRef>
+          <a:fillRef idx="1">
+            <a:schemeClr val="accent1"/>
+          </a:fillRef>
+          <a:effectRef idx="0">
+            <a:schemeClr val="accent1"/>
+          </a:effectRef>
+          <a:fontRef idx="minor">
+            <a:schemeClr val="lt1"/>
+          </a:fontRef>
+        </p:style>
+        <p:txBody>
+          <a:bodyPr rtlCol="0" anchor="ctr"/>
+          <a:lstStyle/>
+          <a:p>
+            <a:pPr algn="ctr"/>
+            <a:r>
+              <a:rPr lang="en-US" altLang="ko-KR" sz="1300" b="1" dirty="0"/>
+              <a:t>H2</a:t>
+            </a:r>
+            <a:endParaRPr lang="ko-KR" altLang="en-US" sz="1300" b="1" dirty="0"/>
           </a:p>
         </p:txBody>
       </p:sp>
     </p:spTree>
     <p:extLst>
       <p:ext uri="{BB962C8B-B14F-4D97-AF65-F5344CB8AC3E}">
-        <p14:creationId xmlns:p14="http://schemas.microsoft.com/office/powerpoint/2010/main" val="1815597185"/>
+        <p14:creationId xmlns:p14="http://schemas.microsoft.com/office/powerpoint/2010/main" val="3082847501"/>
       </p:ext>
     </p:extLst>
   </p:cSld>
@@ -3389,7 +5228,13 @@
       </p:grpSpPr>
       <p:pic>
         <p:nvPicPr>
-          <p:cNvPr id="5" name="그림 4"/>
+          <p:cNvPr id="5" name="그림 4" descr="스크린샷이(가) 표시된 사진&#10;&#10;자동 생성된 설명">
+            <a:extLst>
+              <a:ext uri="{FF2B5EF4-FFF2-40B4-BE49-F238E27FC236}">
+                <a16:creationId xmlns:a16="http://schemas.microsoft.com/office/drawing/2014/main" id="{0C18B89E-5FE0-4FA1-B15B-751AF5788B99}"/>
+              </a:ext>
+            </a:extLst>
+          </p:cNvPr>
           <p:cNvPicPr>
             <a:picLocks noChangeAspect="1"/>
           </p:cNvPicPr>
@@ -3409,8 +5254,8 @@
         </p:blipFill>
         <p:spPr>
           <a:xfrm>
-            <a:off x="145807" y="187273"/>
-            <a:ext cx="5182323" cy="1562318"/>
+            <a:off x="6096" y="645834"/>
+            <a:ext cx="12192000" cy="5566332"/>
           </a:xfrm>
           <a:prstGeom prst="rect">
             <a:avLst/>
@@ -3419,14 +5264,72 @@
       </p:pic>
       <p:sp>
         <p:nvSpPr>
-          <p:cNvPr id="6" name="TextBox 5"/>
+          <p:cNvPr id="7" name="직사각형 6">
+            <a:extLst>
+              <a:ext uri="{FF2B5EF4-FFF2-40B4-BE49-F238E27FC236}">
+                <a16:creationId xmlns:a16="http://schemas.microsoft.com/office/drawing/2014/main" id="{675C3448-726C-47B3-8FBF-AEEC509895BC}"/>
+              </a:ext>
+            </a:extLst>
+          </p:cNvPr>
+          <p:cNvSpPr/>
+          <p:nvPr/>
+        </p:nvSpPr>
+        <p:spPr>
+          <a:xfrm>
+            <a:off x="1316736" y="3889248"/>
+            <a:ext cx="816864" cy="276998"/>
+          </a:xfrm>
+          <a:prstGeom prst="rect">
+            <a:avLst/>
+          </a:prstGeom>
+          <a:solidFill>
+            <a:srgbClr val="FFFF00"/>
+          </a:solidFill>
+          <a:ln>
+            <a:noFill/>
+          </a:ln>
+        </p:spPr>
+        <p:style>
+          <a:lnRef idx="2">
+            <a:schemeClr val="accent1">
+              <a:shade val="50000"/>
+            </a:schemeClr>
+          </a:lnRef>
+          <a:fillRef idx="1">
+            <a:schemeClr val="accent1"/>
+          </a:fillRef>
+          <a:effectRef idx="0">
+            <a:schemeClr val="accent1"/>
+          </a:effectRef>
+          <a:fontRef idx="minor">
+            <a:schemeClr val="lt1"/>
+          </a:fontRef>
+        </p:style>
+        <p:txBody>
+          <a:bodyPr rtlCol="0" anchor="ctr"/>
+          <a:lstStyle/>
+          <a:p>
+            <a:pPr algn="ctr"/>
+            <a:endParaRPr lang="ko-KR" altLang="en-US"/>
+          </a:p>
+        </p:txBody>
+      </p:sp>
+      <p:sp>
+        <p:nvSpPr>
+          <p:cNvPr id="6" name="TextBox 5">
+            <a:extLst>
+              <a:ext uri="{FF2B5EF4-FFF2-40B4-BE49-F238E27FC236}">
+                <a16:creationId xmlns:a16="http://schemas.microsoft.com/office/drawing/2014/main" id="{E4410EA2-2A7F-4A2C-BDA1-7B245752365D}"/>
+              </a:ext>
+            </a:extLst>
+          </p:cNvPr>
           <p:cNvSpPr txBox="1"/>
           <p:nvPr/>
         </p:nvSpPr>
         <p:spPr>
           <a:xfrm>
-            <a:off x="8404167" y="1088967"/>
-            <a:ext cx="3491346" cy="369332"/>
+            <a:off x="1292352" y="3864863"/>
+            <a:ext cx="1060704" cy="276999"/>
           </a:xfrm>
           <a:prstGeom prst="rect">
             <a:avLst/>
@@ -3440,53 +5343,421 @@
           <a:lstStyle/>
           <a:p>
             <a:r>
-              <a:rPr lang="ko-KR" altLang="en-US" dirty="0" smtClean="0"/>
-              <a:t>카프카</a:t>
-            </a:r>
-            <a:r>
-              <a:rPr lang="en-US" altLang="ko-KR" dirty="0" smtClean="0"/>
-              <a:t> </a:t>
-            </a:r>
-            <a:r>
-              <a:rPr lang="ko-KR" altLang="en-US" dirty="0" smtClean="0"/>
-              <a:t>구성</a:t>
-            </a:r>
-            <a:r>
-              <a:rPr lang="en-US" altLang="ko-KR" dirty="0" smtClean="0"/>
-              <a:t>, </a:t>
-            </a:r>
-            <a:r>
-              <a:rPr lang="ko-KR" altLang="en-US" dirty="0" smtClean="0"/>
-              <a:t>서비스 실행</a:t>
-            </a:r>
-            <a:endParaRPr lang="en-US" altLang="ko-KR" dirty="0" smtClean="0"/>
+              <a:rPr lang="en-US" altLang="ko-KR" sz="1200" b="1" dirty="0"/>
+              <a:t>Reservation</a:t>
+            </a:r>
+            <a:endParaRPr lang="ko-KR" altLang="en-US" sz="2400" b="1" dirty="0"/>
+          </a:p>
+        </p:txBody>
+      </p:sp>
+      <p:sp>
+        <p:nvSpPr>
+          <p:cNvPr id="9" name="직사각형 8">
+            <a:extLst>
+              <a:ext uri="{FF2B5EF4-FFF2-40B4-BE49-F238E27FC236}">
+                <a16:creationId xmlns:a16="http://schemas.microsoft.com/office/drawing/2014/main" id="{25840984-D3B0-4EAF-AF69-0111EC9C63D5}"/>
+              </a:ext>
+            </a:extLst>
+          </p:cNvPr>
+          <p:cNvSpPr/>
+          <p:nvPr/>
+        </p:nvSpPr>
+        <p:spPr>
+          <a:xfrm>
+            <a:off x="3688080" y="4913376"/>
+            <a:ext cx="2407920" cy="499872"/>
+          </a:xfrm>
+          <a:prstGeom prst="rect">
+            <a:avLst/>
+          </a:prstGeom>
+          <a:solidFill>
+            <a:schemeClr val="bg1"/>
+          </a:solidFill>
+          <a:ln>
+            <a:noFill/>
+          </a:ln>
+        </p:spPr>
+        <p:style>
+          <a:lnRef idx="2">
+            <a:schemeClr val="accent1">
+              <a:shade val="50000"/>
+            </a:schemeClr>
+          </a:lnRef>
+          <a:fillRef idx="1">
+            <a:schemeClr val="accent1"/>
+          </a:fillRef>
+          <a:effectRef idx="0">
+            <a:schemeClr val="accent1"/>
+          </a:effectRef>
+          <a:fontRef idx="minor">
+            <a:schemeClr val="lt1"/>
+          </a:fontRef>
+        </p:style>
+        <p:txBody>
+          <a:bodyPr rtlCol="0" anchor="ctr"/>
+          <a:lstStyle/>
+          <a:p>
+            <a:pPr algn="ctr"/>
+            <a:endParaRPr lang="ko-KR" altLang="en-US"/>
+          </a:p>
+        </p:txBody>
+      </p:sp>
+      <p:sp>
+        <p:nvSpPr>
+          <p:cNvPr id="13" name="직사각형 12">
+            <a:extLst>
+              <a:ext uri="{FF2B5EF4-FFF2-40B4-BE49-F238E27FC236}">
+                <a16:creationId xmlns:a16="http://schemas.microsoft.com/office/drawing/2014/main" id="{A446B313-6ACA-48F0-8A40-7EBB24F32A53}"/>
+              </a:ext>
+            </a:extLst>
+          </p:cNvPr>
+          <p:cNvSpPr/>
+          <p:nvPr/>
+        </p:nvSpPr>
+        <p:spPr>
+          <a:xfrm>
+            <a:off x="5986272" y="2560320"/>
+            <a:ext cx="60960" cy="3005328"/>
+          </a:xfrm>
+          <a:prstGeom prst="rect">
+            <a:avLst/>
+          </a:prstGeom>
+          <a:solidFill>
+            <a:schemeClr val="bg1"/>
+          </a:solidFill>
+          <a:ln>
+            <a:noFill/>
+          </a:ln>
+        </p:spPr>
+        <p:style>
+          <a:lnRef idx="2">
+            <a:schemeClr val="accent1">
+              <a:shade val="50000"/>
+            </a:schemeClr>
+          </a:lnRef>
+          <a:fillRef idx="1">
+            <a:schemeClr val="accent1"/>
+          </a:fillRef>
+          <a:effectRef idx="0">
+            <a:schemeClr val="accent1"/>
+          </a:effectRef>
+          <a:fontRef idx="minor">
+            <a:schemeClr val="lt1"/>
+          </a:fontRef>
+        </p:style>
+        <p:txBody>
+          <a:bodyPr rtlCol="0" anchor="ctr"/>
+          <a:lstStyle/>
+          <a:p>
+            <a:pPr algn="ctr"/>
+            <a:endParaRPr lang="ko-KR" altLang="en-US"/>
+          </a:p>
+        </p:txBody>
+      </p:sp>
+      <p:sp>
+        <p:nvSpPr>
+          <p:cNvPr id="15" name="직사각형 14">
+            <a:extLst>
+              <a:ext uri="{FF2B5EF4-FFF2-40B4-BE49-F238E27FC236}">
+                <a16:creationId xmlns:a16="http://schemas.microsoft.com/office/drawing/2014/main" id="{57B0EE30-8511-4C96-900C-DB73F54BC5B6}"/>
+              </a:ext>
+            </a:extLst>
+          </p:cNvPr>
+          <p:cNvSpPr/>
+          <p:nvPr/>
+        </p:nvSpPr>
+        <p:spPr>
+          <a:xfrm>
+            <a:off x="3639312" y="2279733"/>
+            <a:ext cx="2407920" cy="499872"/>
+          </a:xfrm>
+          <a:prstGeom prst="rect">
+            <a:avLst/>
+          </a:prstGeom>
+          <a:solidFill>
+            <a:schemeClr val="bg1"/>
+          </a:solidFill>
+          <a:ln>
+            <a:noFill/>
+          </a:ln>
+        </p:spPr>
+        <p:style>
+          <a:lnRef idx="2">
+            <a:schemeClr val="accent1">
+              <a:shade val="50000"/>
+            </a:schemeClr>
+          </a:lnRef>
+          <a:fillRef idx="1">
+            <a:schemeClr val="accent1"/>
+          </a:fillRef>
+          <a:effectRef idx="0">
+            <a:schemeClr val="accent1"/>
+          </a:effectRef>
+          <a:fontRef idx="minor">
+            <a:schemeClr val="lt1"/>
+          </a:fontRef>
+        </p:style>
+        <p:txBody>
+          <a:bodyPr rtlCol="0" anchor="ctr"/>
+          <a:lstStyle/>
+          <a:p>
+            <a:pPr algn="ctr"/>
+            <a:endParaRPr lang="ko-KR" altLang="en-US"/>
+          </a:p>
+        </p:txBody>
+      </p:sp>
+      <p:sp>
+        <p:nvSpPr>
+          <p:cNvPr id="17" name="직사각형 16">
+            <a:extLst>
+              <a:ext uri="{FF2B5EF4-FFF2-40B4-BE49-F238E27FC236}">
+                <a16:creationId xmlns:a16="http://schemas.microsoft.com/office/drawing/2014/main" id="{147EC0F2-1291-47CE-9818-5751BCC8AAC7}"/>
+              </a:ext>
+            </a:extLst>
+          </p:cNvPr>
+          <p:cNvSpPr/>
+          <p:nvPr/>
+        </p:nvSpPr>
+        <p:spPr>
+          <a:xfrm>
+            <a:off x="3730752" y="2554052"/>
+            <a:ext cx="60960" cy="557697"/>
+          </a:xfrm>
+          <a:prstGeom prst="rect">
+            <a:avLst/>
+          </a:prstGeom>
+          <a:solidFill>
+            <a:schemeClr val="bg1"/>
+          </a:solidFill>
+          <a:ln>
+            <a:noFill/>
+          </a:ln>
+        </p:spPr>
+        <p:style>
+          <a:lnRef idx="2">
+            <a:schemeClr val="accent1">
+              <a:shade val="50000"/>
+            </a:schemeClr>
+          </a:lnRef>
+          <a:fillRef idx="1">
+            <a:schemeClr val="accent1"/>
+          </a:fillRef>
+          <a:effectRef idx="0">
+            <a:schemeClr val="accent1"/>
+          </a:effectRef>
+          <a:fontRef idx="minor">
+            <a:schemeClr val="lt1"/>
+          </a:fontRef>
+        </p:style>
+        <p:txBody>
+          <a:bodyPr rtlCol="0" anchor="ctr"/>
+          <a:lstStyle/>
+          <a:p>
+            <a:pPr algn="ctr"/>
+            <a:endParaRPr lang="ko-KR" altLang="en-US"/>
+          </a:p>
+        </p:txBody>
+      </p:sp>
+      <p:sp>
+        <p:nvSpPr>
+          <p:cNvPr id="19" name="직사각형 18">
+            <a:extLst>
+              <a:ext uri="{FF2B5EF4-FFF2-40B4-BE49-F238E27FC236}">
+                <a16:creationId xmlns:a16="http://schemas.microsoft.com/office/drawing/2014/main" id="{09EE1E30-061A-443E-9F51-A6165D4129FA}"/>
+              </a:ext>
+            </a:extLst>
+          </p:cNvPr>
+          <p:cNvSpPr/>
+          <p:nvPr/>
+        </p:nvSpPr>
+        <p:spPr>
+          <a:xfrm>
+            <a:off x="3718560" y="3264150"/>
+            <a:ext cx="85344" cy="1947929"/>
+          </a:xfrm>
+          <a:prstGeom prst="rect">
+            <a:avLst/>
+          </a:prstGeom>
+          <a:solidFill>
+            <a:schemeClr val="bg1"/>
+          </a:solidFill>
+          <a:ln>
+            <a:noFill/>
+          </a:ln>
+        </p:spPr>
+        <p:style>
+          <a:lnRef idx="2">
+            <a:schemeClr val="accent1">
+              <a:shade val="50000"/>
+            </a:schemeClr>
+          </a:lnRef>
+          <a:fillRef idx="1">
+            <a:schemeClr val="accent1"/>
+          </a:fillRef>
+          <a:effectRef idx="0">
+            <a:schemeClr val="accent1"/>
+          </a:effectRef>
+          <a:fontRef idx="minor">
+            <a:schemeClr val="lt1"/>
+          </a:fontRef>
+        </p:style>
+        <p:txBody>
+          <a:bodyPr rtlCol="0" anchor="ctr"/>
+          <a:lstStyle/>
+          <a:p>
+            <a:pPr algn="ctr"/>
+            <a:endParaRPr lang="ko-KR" altLang="en-US"/>
+          </a:p>
+        </p:txBody>
+      </p:sp>
+      <p:sp>
+        <p:nvSpPr>
+          <p:cNvPr id="21" name="직사각형 20">
+            <a:extLst>
+              <a:ext uri="{FF2B5EF4-FFF2-40B4-BE49-F238E27FC236}">
+                <a16:creationId xmlns:a16="http://schemas.microsoft.com/office/drawing/2014/main" id="{2C908584-C72E-430F-BDDC-EBB7533ED82C}"/>
+              </a:ext>
+            </a:extLst>
+          </p:cNvPr>
+          <p:cNvSpPr/>
+          <p:nvPr/>
+        </p:nvSpPr>
+        <p:spPr>
+          <a:xfrm>
+            <a:off x="10588752" y="3864864"/>
+            <a:ext cx="816864" cy="276998"/>
+          </a:xfrm>
+          <a:prstGeom prst="rect">
+            <a:avLst/>
+          </a:prstGeom>
+          <a:solidFill>
+            <a:srgbClr val="FFFF00"/>
+          </a:solidFill>
+          <a:ln>
+            <a:noFill/>
+          </a:ln>
+        </p:spPr>
+        <p:style>
+          <a:lnRef idx="2">
+            <a:schemeClr val="accent1">
+              <a:shade val="50000"/>
+            </a:schemeClr>
+          </a:lnRef>
+          <a:fillRef idx="1">
+            <a:schemeClr val="accent1"/>
+          </a:fillRef>
+          <a:effectRef idx="0">
+            <a:schemeClr val="accent1"/>
+          </a:effectRef>
+          <a:fontRef idx="minor">
+            <a:schemeClr val="lt1"/>
+          </a:fontRef>
+        </p:style>
+        <p:txBody>
+          <a:bodyPr rtlCol="0" anchor="ctr"/>
+          <a:lstStyle/>
+          <a:p>
+            <a:pPr algn="ctr"/>
+            <a:endParaRPr lang="ko-KR" altLang="en-US"/>
+          </a:p>
+        </p:txBody>
+      </p:sp>
+      <p:sp>
+        <p:nvSpPr>
+          <p:cNvPr id="23" name="TextBox 22">
+            <a:extLst>
+              <a:ext uri="{FF2B5EF4-FFF2-40B4-BE49-F238E27FC236}">
+                <a16:creationId xmlns:a16="http://schemas.microsoft.com/office/drawing/2014/main" id="{EBAD8E31-68F4-4A14-B769-2A6B760C27B9}"/>
+              </a:ext>
+            </a:extLst>
+          </p:cNvPr>
+          <p:cNvSpPr txBox="1"/>
+          <p:nvPr/>
+        </p:nvSpPr>
+        <p:spPr>
+          <a:xfrm>
+            <a:off x="7918704" y="7230594"/>
+            <a:ext cx="1060704" cy="276999"/>
+          </a:xfrm>
+          <a:prstGeom prst="rect">
+            <a:avLst/>
+          </a:prstGeom>
+          <a:noFill/>
+        </p:spPr>
+        <p:txBody>
+          <a:bodyPr wrap="square" rtlCol="0">
+            <a:spAutoFit/>
+          </a:bodyPr>
+          <a:lstStyle/>
+          <a:p>
+            <a:r>
+              <a:rPr lang="en-US" altLang="ko-KR" sz="1200" b="1" dirty="0"/>
+              <a:t>Reservation</a:t>
+            </a:r>
+            <a:endParaRPr lang="ko-KR" altLang="en-US" sz="2400" b="1" dirty="0"/>
+          </a:p>
+        </p:txBody>
+      </p:sp>
+      <p:sp>
+        <p:nvSpPr>
+          <p:cNvPr id="11" name="TextBox 10">
+            <a:extLst>
+              <a:ext uri="{FF2B5EF4-FFF2-40B4-BE49-F238E27FC236}">
+                <a16:creationId xmlns:a16="http://schemas.microsoft.com/office/drawing/2014/main" id="{F804B5AE-AF74-4CDB-82FC-7B9AC56BB762}"/>
+              </a:ext>
+            </a:extLst>
+          </p:cNvPr>
+          <p:cNvSpPr txBox="1"/>
+          <p:nvPr/>
+        </p:nvSpPr>
+        <p:spPr>
+          <a:xfrm>
+            <a:off x="10722741" y="3875716"/>
+            <a:ext cx="658614" cy="276999"/>
+          </a:xfrm>
+          <a:prstGeom prst="rect">
+            <a:avLst/>
+          </a:prstGeom>
+          <a:noFill/>
+        </p:spPr>
+        <p:txBody>
+          <a:bodyPr wrap="square" rtlCol="0">
+            <a:spAutoFit/>
+          </a:bodyPr>
+          <a:lstStyle/>
+          <a:p>
+            <a:r>
+              <a:rPr lang="en-US" altLang="ko-KR" sz="1200" b="1" dirty="0" err="1"/>
+              <a:t>katalk</a:t>
+            </a:r>
+            <a:endParaRPr lang="ko-KR" altLang="en-US" sz="2400" b="1" dirty="0"/>
           </a:p>
         </p:txBody>
       </p:sp>
       <p:pic>
         <p:nvPicPr>
-          <p:cNvPr id="7" name="그림 6"/>
+          <p:cNvPr id="27" name="그림 26">
+            <a:extLst>
+              <a:ext uri="{FF2B5EF4-FFF2-40B4-BE49-F238E27FC236}">
+                <a16:creationId xmlns:a16="http://schemas.microsoft.com/office/drawing/2014/main" id="{1A310DDB-2909-4662-853E-484AD45BF413}"/>
+              </a:ext>
+            </a:extLst>
+          </p:cNvPr>
           <p:cNvPicPr>
             <a:picLocks noChangeAspect="1"/>
           </p:cNvPicPr>
           <p:nvPr/>
         </p:nvPicPr>
         <p:blipFill>
-          <a:blip r:embed="rId3">
-            <a:extLst>
-              <a:ext uri="{28A0092B-C50C-407E-A947-70E740481C1C}">
-                <a14:useLocalDpi xmlns:a14="http://schemas.microsoft.com/office/drawing/2010/main" val="0"/>
-              </a:ext>
-            </a:extLst>
-          </a:blip>
+          <a:blip r:embed="rId3"/>
           <a:stretch>
             <a:fillRect/>
           </a:stretch>
         </p:blipFill>
         <p:spPr>
           <a:xfrm>
-            <a:off x="145807" y="1816461"/>
-            <a:ext cx="6262001" cy="4988374"/>
+            <a:off x="4256483" y="4535919"/>
+            <a:ext cx="2254046" cy="1754658"/>
           </a:xfrm>
           <a:prstGeom prst="rect">
             <a:avLst/>
@@ -3496,7 +5767,7 @@
     </p:spTree>
     <p:extLst>
       <p:ext uri="{BB962C8B-B14F-4D97-AF65-F5344CB8AC3E}">
-        <p14:creationId xmlns:p14="http://schemas.microsoft.com/office/powerpoint/2010/main" val="767266408"/>
+        <p14:creationId xmlns:p14="http://schemas.microsoft.com/office/powerpoint/2010/main" val="3921144970"/>
       </p:ext>
     </p:extLst>
   </p:cSld>
@@ -3545,14 +5816,44 @@
         </p:blipFill>
         <p:spPr>
           <a:xfrm>
-            <a:off x="133200" y="52516"/>
-            <a:ext cx="7087589" cy="4229690"/>
+            <a:off x="149426" y="3746601"/>
+            <a:ext cx="6492443" cy="3020587"/>
           </a:xfrm>
           <a:prstGeom prst="rect">
             <a:avLst/>
           </a:prstGeom>
         </p:spPr>
       </p:pic>
+      <p:pic>
+        <p:nvPicPr>
+          <p:cNvPr id="3" name="그림 2"/>
+          <p:cNvPicPr>
+            <a:picLocks noChangeAspect="1"/>
+          </p:cNvPicPr>
+          <p:nvPr/>
+        </p:nvPicPr>
+        <p:blipFill>
+          <a:blip r:embed="rId3">
+            <a:extLst>
+              <a:ext uri="{28A0092B-C50C-407E-A947-70E740481C1C}">
+                <a14:useLocalDpi xmlns:a14="http://schemas.microsoft.com/office/drawing/2010/main" val="0"/>
+              </a:ext>
+            </a:extLst>
+          </a:blip>
+          <a:stretch>
+            <a:fillRect/>
+          </a:stretch>
+        </p:blipFill>
+        <p:spPr>
+          <a:xfrm>
+            <a:off x="149426" y="108062"/>
+            <a:ext cx="8752852" cy="3557847"/>
+          </a:xfrm>
+          <a:prstGeom prst="rect">
+            <a:avLst/>
+          </a:prstGeom>
+        </p:spPr>
+      </p:pic>
       <p:sp>
         <p:nvSpPr>
           <p:cNvPr id="4" name="TextBox 3"/>
@@ -3561,8 +5862,8 @@
         </p:nvSpPr>
         <p:spPr>
           <a:xfrm>
-            <a:off x="8404167" y="1088967"/>
-            <a:ext cx="3491346" cy="923330"/>
+            <a:off x="7930342" y="4272741"/>
+            <a:ext cx="3491346" cy="1200329"/>
           </a:xfrm>
           <a:prstGeom prst="rect">
             <a:avLst/>
@@ -3576,20 +5877,372 @@
           <a:lstStyle/>
           <a:p>
             <a:r>
-              <a:rPr lang="ko-KR" altLang="en-US" dirty="0" smtClean="0"/>
+              <a:rPr lang="en-US" altLang="ko-KR" dirty="0"/>
+              <a:t>Local Test</a:t>
+            </a:r>
+          </a:p>
+          <a:p>
+            <a:endParaRPr lang="en-US" altLang="ko-KR" dirty="0"/>
+          </a:p>
+          <a:p>
+            <a:r>
+              <a:rPr lang="ko-KR" altLang="en-US" dirty="0"/>
+              <a:t>영화 예매</a:t>
+            </a:r>
+            <a:r>
+              <a:rPr lang="en-US" altLang="ko-KR" dirty="0"/>
+              <a:t> </a:t>
+            </a:r>
+          </a:p>
+          <a:p>
+            <a:r>
+              <a:rPr lang="ko-KR" altLang="en-US" dirty="0"/>
+              <a:t>결제</a:t>
+            </a:r>
+            <a:endParaRPr lang="en-US" altLang="ko-KR" dirty="0"/>
+          </a:p>
+        </p:txBody>
+      </p:sp>
+    </p:spTree>
+    <p:extLst>
+      <p:ext uri="{BB962C8B-B14F-4D97-AF65-F5344CB8AC3E}">
+        <p14:creationId xmlns:p14="http://schemas.microsoft.com/office/powerpoint/2010/main" val="2069145086"/>
+      </p:ext>
+    </p:extLst>
+  </p:cSld>
+  <p:clrMapOvr>
+    <a:masterClrMapping/>
+  </p:clrMapOvr>
+</p:sld>
+</file>
+
+<file path=ppt/slides/slide6.xml><?xml version="1.0" encoding="utf-8"?>
+<p:sld xmlns:a="http://schemas.openxmlformats.org/drawingml/2006/main" xmlns:r="http://schemas.openxmlformats.org/officeDocument/2006/relationships" xmlns:p="http://schemas.openxmlformats.org/presentationml/2006/main">
+  <p:cSld>
+    <p:spTree>
+      <p:nvGrpSpPr>
+        <p:cNvPr id="1" name=""/>
+        <p:cNvGrpSpPr/>
+        <p:nvPr/>
+      </p:nvGrpSpPr>
+      <p:grpSpPr>
+        <a:xfrm>
+          <a:off x="0" y="0"/>
+          <a:ext cx="0" cy="0"/>
+          <a:chOff x="0" y="0"/>
+          <a:chExt cx="0" cy="0"/>
+        </a:xfrm>
+      </p:grpSpPr>
+      <p:pic>
+        <p:nvPicPr>
+          <p:cNvPr id="4" name="그림 3"/>
+          <p:cNvPicPr>
+            <a:picLocks noChangeAspect="1"/>
+          </p:cNvPicPr>
+          <p:nvPr/>
+        </p:nvPicPr>
+        <p:blipFill>
+          <a:blip r:embed="rId2">
+            <a:extLst>
+              <a:ext uri="{28A0092B-C50C-407E-A947-70E740481C1C}">
+                <a14:useLocalDpi xmlns:a14="http://schemas.microsoft.com/office/drawing/2010/main" val="0"/>
+              </a:ext>
+            </a:extLst>
+          </a:blip>
+          <a:stretch>
+            <a:fillRect/>
+          </a:stretch>
+        </p:blipFill>
+        <p:spPr>
+          <a:xfrm>
+            <a:off x="242535" y="968569"/>
+            <a:ext cx="8764223" cy="4239217"/>
+          </a:xfrm>
+          <a:prstGeom prst="rect">
+            <a:avLst/>
+          </a:prstGeom>
+        </p:spPr>
+      </p:pic>
+      <p:sp>
+        <p:nvSpPr>
+          <p:cNvPr id="5" name="TextBox 4"/>
+          <p:cNvSpPr txBox="1"/>
+          <p:nvPr/>
+        </p:nvSpPr>
+        <p:spPr>
+          <a:xfrm>
+            <a:off x="9185563" y="1122217"/>
+            <a:ext cx="1629295" cy="923330"/>
+          </a:xfrm>
+          <a:prstGeom prst="rect">
+            <a:avLst/>
+          </a:prstGeom>
+          <a:noFill/>
+        </p:spPr>
+        <p:txBody>
+          <a:bodyPr wrap="square" rtlCol="0">
+            <a:spAutoFit/>
+          </a:bodyPr>
+          <a:lstStyle/>
+          <a:p>
+            <a:r>
+              <a:rPr lang="ko-KR" altLang="en-US" dirty="0"/>
+              <a:t>운영</a:t>
+            </a:r>
+            <a:endParaRPr lang="en-US" altLang="ko-KR" dirty="0"/>
+          </a:p>
+          <a:p>
+            <a:endParaRPr lang="en-US" altLang="ko-KR" dirty="0"/>
+          </a:p>
+          <a:p>
+            <a:r>
+              <a:rPr lang="en-US" altLang="ko-KR" dirty="0"/>
+              <a:t>CI/CD </a:t>
+            </a:r>
+            <a:r>
+              <a:rPr lang="ko-KR" altLang="en-US" dirty="0"/>
+              <a:t>구성</a:t>
+            </a:r>
+            <a:r>
+              <a:rPr lang="en-US" altLang="ko-KR" dirty="0"/>
+              <a:t> </a:t>
+            </a:r>
+          </a:p>
+        </p:txBody>
+      </p:sp>
+    </p:spTree>
+    <p:extLst>
+      <p:ext uri="{BB962C8B-B14F-4D97-AF65-F5344CB8AC3E}">
+        <p14:creationId xmlns:p14="http://schemas.microsoft.com/office/powerpoint/2010/main" val="1815597185"/>
+      </p:ext>
+    </p:extLst>
+  </p:cSld>
+  <p:clrMapOvr>
+    <a:masterClrMapping/>
+  </p:clrMapOvr>
+</p:sld>
+</file>
+
+<file path=ppt/slides/slide7.xml><?xml version="1.0" encoding="utf-8"?>
+<p:sld xmlns:a="http://schemas.openxmlformats.org/drawingml/2006/main" xmlns:r="http://schemas.openxmlformats.org/officeDocument/2006/relationships" xmlns:p="http://schemas.openxmlformats.org/presentationml/2006/main">
+  <p:cSld>
+    <p:spTree>
+      <p:nvGrpSpPr>
+        <p:cNvPr id="1" name=""/>
+        <p:cNvGrpSpPr/>
+        <p:nvPr/>
+      </p:nvGrpSpPr>
+      <p:grpSpPr>
+        <a:xfrm>
+          <a:off x="0" y="0"/>
+          <a:ext cx="0" cy="0"/>
+          <a:chOff x="0" y="0"/>
+          <a:chExt cx="0" cy="0"/>
+        </a:xfrm>
+      </p:grpSpPr>
+      <p:pic>
+        <p:nvPicPr>
+          <p:cNvPr id="5" name="그림 4"/>
+          <p:cNvPicPr>
+            <a:picLocks noChangeAspect="1"/>
+          </p:cNvPicPr>
+          <p:nvPr/>
+        </p:nvPicPr>
+        <p:blipFill>
+          <a:blip r:embed="rId2">
+            <a:extLst>
+              <a:ext uri="{28A0092B-C50C-407E-A947-70E740481C1C}">
+                <a14:useLocalDpi xmlns:a14="http://schemas.microsoft.com/office/drawing/2010/main" val="0"/>
+              </a:ext>
+            </a:extLst>
+          </a:blip>
+          <a:stretch>
+            <a:fillRect/>
+          </a:stretch>
+        </p:blipFill>
+        <p:spPr>
+          <a:xfrm>
+            <a:off x="145807" y="187273"/>
+            <a:ext cx="5182323" cy="1562318"/>
+          </a:xfrm>
+          <a:prstGeom prst="rect">
+            <a:avLst/>
+          </a:prstGeom>
+        </p:spPr>
+      </p:pic>
+      <p:sp>
+        <p:nvSpPr>
+          <p:cNvPr id="6" name="TextBox 5"/>
+          <p:cNvSpPr txBox="1"/>
+          <p:nvPr/>
+        </p:nvSpPr>
+        <p:spPr>
+          <a:xfrm>
+            <a:off x="8404167" y="1088967"/>
+            <a:ext cx="3491346" cy="369332"/>
+          </a:xfrm>
+          <a:prstGeom prst="rect">
+            <a:avLst/>
+          </a:prstGeom>
+          <a:noFill/>
+        </p:spPr>
+        <p:txBody>
+          <a:bodyPr wrap="square" rtlCol="0">
+            <a:spAutoFit/>
+          </a:bodyPr>
+          <a:lstStyle/>
+          <a:p>
+            <a:r>
+              <a:rPr lang="ko-KR" altLang="en-US" dirty="0"/>
+              <a:t>카프카</a:t>
+            </a:r>
+            <a:r>
+              <a:rPr lang="en-US" altLang="ko-KR" dirty="0"/>
+              <a:t> </a:t>
+            </a:r>
+            <a:r>
+              <a:rPr lang="ko-KR" altLang="en-US" dirty="0"/>
+              <a:t>구성</a:t>
+            </a:r>
+            <a:r>
+              <a:rPr lang="en-US" altLang="ko-KR" dirty="0"/>
+              <a:t>, </a:t>
+            </a:r>
+            <a:r>
+              <a:rPr lang="ko-KR" altLang="en-US" dirty="0"/>
+              <a:t>서비스 실행</a:t>
+            </a:r>
+            <a:endParaRPr lang="en-US" altLang="ko-KR" dirty="0"/>
+          </a:p>
+        </p:txBody>
+      </p:sp>
+      <p:pic>
+        <p:nvPicPr>
+          <p:cNvPr id="7" name="그림 6"/>
+          <p:cNvPicPr>
+            <a:picLocks noChangeAspect="1"/>
+          </p:cNvPicPr>
+          <p:nvPr/>
+        </p:nvPicPr>
+        <p:blipFill>
+          <a:blip r:embed="rId3">
+            <a:extLst>
+              <a:ext uri="{28A0092B-C50C-407E-A947-70E740481C1C}">
+                <a14:useLocalDpi xmlns:a14="http://schemas.microsoft.com/office/drawing/2010/main" val="0"/>
+              </a:ext>
+            </a:extLst>
+          </a:blip>
+          <a:stretch>
+            <a:fillRect/>
+          </a:stretch>
+        </p:blipFill>
+        <p:spPr>
+          <a:xfrm>
+            <a:off x="145807" y="1816461"/>
+            <a:ext cx="6262001" cy="4988374"/>
+          </a:xfrm>
+          <a:prstGeom prst="rect">
+            <a:avLst/>
+          </a:prstGeom>
+        </p:spPr>
+      </p:pic>
+    </p:spTree>
+    <p:extLst>
+      <p:ext uri="{BB962C8B-B14F-4D97-AF65-F5344CB8AC3E}">
+        <p14:creationId xmlns:p14="http://schemas.microsoft.com/office/powerpoint/2010/main" val="767266408"/>
+      </p:ext>
+    </p:extLst>
+  </p:cSld>
+  <p:clrMapOvr>
+    <a:masterClrMapping/>
+  </p:clrMapOvr>
+</p:sld>
+</file>
+
+<file path=ppt/slides/slide8.xml><?xml version="1.0" encoding="utf-8"?>
+<p:sld xmlns:a="http://schemas.openxmlformats.org/drawingml/2006/main" xmlns:r="http://schemas.openxmlformats.org/officeDocument/2006/relationships" xmlns:p="http://schemas.openxmlformats.org/presentationml/2006/main">
+  <p:cSld>
+    <p:spTree>
+      <p:nvGrpSpPr>
+        <p:cNvPr id="1" name=""/>
+        <p:cNvGrpSpPr/>
+        <p:nvPr/>
+      </p:nvGrpSpPr>
+      <p:grpSpPr>
+        <a:xfrm>
+          <a:off x="0" y="0"/>
+          <a:ext cx="0" cy="0"/>
+          <a:chOff x="0" y="0"/>
+          <a:chExt cx="0" cy="0"/>
+        </a:xfrm>
+      </p:grpSpPr>
+      <p:pic>
+        <p:nvPicPr>
+          <p:cNvPr id="2" name="그림 1"/>
+          <p:cNvPicPr>
+            <a:picLocks noChangeAspect="1"/>
+          </p:cNvPicPr>
+          <p:nvPr/>
+        </p:nvPicPr>
+        <p:blipFill>
+          <a:blip r:embed="rId2">
+            <a:extLst>
+              <a:ext uri="{28A0092B-C50C-407E-A947-70E740481C1C}">
+                <a14:useLocalDpi xmlns:a14="http://schemas.microsoft.com/office/drawing/2010/main" val="0"/>
+              </a:ext>
+            </a:extLst>
+          </a:blip>
+          <a:stretch>
+            <a:fillRect/>
+          </a:stretch>
+        </p:blipFill>
+        <p:spPr>
+          <a:xfrm>
+            <a:off x="133200" y="52516"/>
+            <a:ext cx="7087589" cy="4229690"/>
+          </a:xfrm>
+          <a:prstGeom prst="rect">
+            <a:avLst/>
+          </a:prstGeom>
+        </p:spPr>
+      </p:pic>
+      <p:sp>
+        <p:nvSpPr>
+          <p:cNvPr id="4" name="TextBox 3"/>
+          <p:cNvSpPr txBox="1"/>
+          <p:nvPr/>
+        </p:nvSpPr>
+        <p:spPr>
+          <a:xfrm>
+            <a:off x="8404167" y="1088967"/>
+            <a:ext cx="3491346" cy="923330"/>
+          </a:xfrm>
+          <a:prstGeom prst="rect">
+            <a:avLst/>
+          </a:prstGeom>
+          <a:noFill/>
+        </p:spPr>
+        <p:txBody>
+          <a:bodyPr wrap="square" rtlCol="0">
+            <a:spAutoFit/>
+          </a:bodyPr>
+          <a:lstStyle/>
+          <a:p>
+            <a:r>
+              <a:rPr lang="ko-KR" altLang="en-US" dirty="0"/>
               <a:t>결과</a:t>
             </a:r>
-            <a:endParaRPr lang="en-US" altLang="ko-KR" dirty="0" smtClean="0"/>
-          </a:p>
-          <a:p>
-            <a:endParaRPr lang="en-US" altLang="ko-KR" dirty="0" smtClean="0"/>
-          </a:p>
-          <a:p>
-            <a:r>
-              <a:rPr lang="ko-KR" altLang="en-US" dirty="0" smtClean="0"/>
+            <a:endParaRPr lang="en-US" altLang="ko-KR" dirty="0"/>
+          </a:p>
+          <a:p>
+            <a:endParaRPr lang="en-US" altLang="ko-KR" dirty="0"/>
+          </a:p>
+          <a:p>
+            <a:r>
+              <a:rPr lang="ko-KR" altLang="en-US" dirty="0"/>
               <a:t>영화 예매</a:t>
             </a:r>
-            <a:endParaRPr lang="en-US" altLang="ko-KR" dirty="0" smtClean="0"/>
+            <a:endParaRPr lang="en-US" altLang="ko-KR" dirty="0"/>
           </a:p>
         </p:txBody>
       </p:sp>
